--- a/DIA_2/Procesamiento_de_datos_faltantes.pptx
+++ b/DIA_2/Procesamiento_de_datos_faltantes.pptx
@@ -8,20 +8,32 @@
     <p:sldMasterId id="2147483668" r:id="rId7"/>
   </p:sldMasterIdLst>
   <p:notesMasterIdLst>
-    <p:notesMasterId r:id="rId16"/>
+    <p:notesMasterId r:id="rId28"/>
   </p:notesMasterIdLst>
   <p:handoutMasterIdLst>
-    <p:handoutMasterId r:id="rId17"/>
+    <p:handoutMasterId r:id="rId29"/>
   </p:handoutMasterIdLst>
   <p:sldIdLst>
     <p:sldId id="262" r:id="rId8"/>
     <p:sldId id="268" r:id="rId9"/>
-    <p:sldId id="273" r:id="rId10"/>
-    <p:sldId id="270" r:id="rId11"/>
-    <p:sldId id="274" r:id="rId12"/>
-    <p:sldId id="271" r:id="rId13"/>
-    <p:sldId id="272" r:id="rId14"/>
-    <p:sldId id="258" r:id="rId15"/>
+    <p:sldId id="275" r:id="rId10"/>
+    <p:sldId id="276" r:id="rId11"/>
+    <p:sldId id="277" r:id="rId12"/>
+    <p:sldId id="278" r:id="rId13"/>
+    <p:sldId id="280" r:id="rId14"/>
+    <p:sldId id="282" r:id="rId15"/>
+    <p:sldId id="283" r:id="rId16"/>
+    <p:sldId id="284" r:id="rId17"/>
+    <p:sldId id="285" r:id="rId18"/>
+    <p:sldId id="286" r:id="rId19"/>
+    <p:sldId id="281" r:id="rId20"/>
+    <p:sldId id="279" r:id="rId21"/>
+    <p:sldId id="273" r:id="rId22"/>
+    <p:sldId id="270" r:id="rId23"/>
+    <p:sldId id="274" r:id="rId24"/>
+    <p:sldId id="271" r:id="rId25"/>
+    <p:sldId id="272" r:id="rId26"/>
+    <p:sldId id="258" r:id="rId27"/>
   </p:sldIdLst>
   <p:sldSz cx="12192000" cy="6858000"/>
   <p:notesSz cx="6858000" cy="9144000"/>
@@ -255,7 +267,7 @@
               <a:pPr>
                 <a:defRPr/>
               </a:pPr>
-              <a:t>15/06/2018</a:t>
+              <a:t>18/06/2018</a:t>
             </a:fld>
             <a:endParaRPr lang="es-CO"/>
           </a:p>
@@ -445,7 +457,7 @@
               <a:pPr>
                 <a:defRPr/>
               </a:pPr>
-              <a:t>15/06/2018</a:t>
+              <a:t>18/06/2018</a:t>
             </a:fld>
             <a:endParaRPr lang="es-CO"/>
           </a:p>
@@ -802,12 +814,8 @@
           <a:lstStyle/>
           <a:p>
             <a:r>
-              <a:rPr lang="en-US" dirty="0" smtClean="0"/>
-              <a:t>Control de </a:t>
-            </a:r>
-            <a:r>
               <a:rPr lang="en-US" dirty="0" err="1" smtClean="0"/>
-              <a:t>calidad</a:t>
+              <a:t>Captura</a:t>
             </a:r>
             <a:r>
               <a:rPr lang="en-US" baseline="0" dirty="0" smtClean="0"/>
@@ -815,7 +823,15 @@
             </a:r>
             <a:r>
               <a:rPr lang="en-US" baseline="0" dirty="0" err="1" smtClean="0"/>
-              <a:t>los</a:t>
+              <a:t>datos</a:t>
+            </a:r>
+            <a:r>
+              <a:rPr lang="en-US" baseline="0" dirty="0" smtClean="0"/>
+              <a:t>. Hay </a:t>
+            </a:r>
+            <a:r>
+              <a:rPr lang="en-US" baseline="0" dirty="0" err="1" smtClean="0"/>
+              <a:t>varias</a:t>
             </a:r>
             <a:r>
               <a:rPr lang="en-US" baseline="0" dirty="0" smtClean="0"/>
@@ -823,7 +839,7 @@
             </a:r>
             <a:r>
               <a:rPr lang="en-US" baseline="0" dirty="0" err="1" smtClean="0"/>
-              <a:t>datos</a:t>
+              <a:t>formas</a:t>
             </a:r>
             <a:r>
               <a:rPr lang="en-US" baseline="0" dirty="0" smtClean="0"/>
@@ -831,11 +847,35 @@
             </a:r>
             <a:r>
               <a:rPr lang="en-US" baseline="0" dirty="0" err="1" smtClean="0"/>
-              <a:t>clima</a:t>
+              <a:t>captura</a:t>
             </a:r>
             <a:r>
               <a:rPr lang="en-US" baseline="0" dirty="0" smtClean="0"/>
-              <a:t>.</a:t>
+              <a:t> y </a:t>
+            </a:r>
+            <a:r>
+              <a:rPr lang="en-US" baseline="0" dirty="0" err="1" smtClean="0"/>
+              <a:t>agencias</a:t>
+            </a:r>
+            <a:r>
+              <a:rPr lang="en-US" baseline="0" dirty="0" smtClean="0"/>
+              <a:t> </a:t>
+            </a:r>
+            <a:r>
+              <a:rPr lang="en-US" baseline="0" dirty="0" err="1" smtClean="0"/>
+              <a:t>publicas</a:t>
+            </a:r>
+            <a:r>
+              <a:rPr lang="en-US" baseline="0" dirty="0" smtClean="0"/>
+              <a:t> para </a:t>
+            </a:r>
+            <a:r>
+              <a:rPr lang="en-US" baseline="0" dirty="0" err="1" smtClean="0"/>
+              <a:t>tomarlas</a:t>
+            </a:r>
+            <a:r>
+              <a:rPr lang="en-US" baseline="0" dirty="0" smtClean="0"/>
+              <a:t>. </a:t>
             </a:r>
             <a:endParaRPr lang="es-CO" dirty="0"/>
           </a:p>
@@ -890,7 +930,159 @@
               <a:pPr>
                 <a:defRPr/>
               </a:pPr>
-              <a:t>4</a:t>
+              <a:t>2</a:t>
+            </a:fld>
+            <a:endParaRPr lang="es-CO"/>
+          </a:p>
+        </p:txBody>
+      </p:sp>
+    </p:spTree>
+    <p:extLst>
+      <p:ext uri="{BB962C8B-B14F-4D97-AF65-F5344CB8AC3E}">
+        <p14:creationId xmlns:p14="http://schemas.microsoft.com/office/powerpoint/2010/main" val="2731743480"/>
+      </p:ext>
+    </p:extLst>
+  </p:cSld>
+  <p:clrMapOvr>
+    <a:masterClrMapping/>
+  </p:clrMapOvr>
+</p:notes>
+</file>
+
+<file path=ppt/notesSlides/notesSlide2.xml><?xml version="1.0" encoding="utf-8"?>
+<p:notes xmlns:a="http://schemas.openxmlformats.org/drawingml/2006/main" xmlns:r="http://schemas.openxmlformats.org/officeDocument/2006/relationships" xmlns:p="http://schemas.openxmlformats.org/presentationml/2006/main">
+  <p:cSld>
+    <p:spTree>
+      <p:nvGrpSpPr>
+        <p:cNvPr id="1" name=""/>
+        <p:cNvGrpSpPr/>
+        <p:nvPr/>
+      </p:nvGrpSpPr>
+      <p:grpSpPr>
+        <a:xfrm>
+          <a:off x="0" y="0"/>
+          <a:ext cx="0" cy="0"/>
+          <a:chOff x="0" y="0"/>
+          <a:chExt cx="0" cy="0"/>
+        </a:xfrm>
+      </p:grpSpPr>
+      <p:sp>
+        <p:nvSpPr>
+          <p:cNvPr id="2" name="Slide Image Placeholder 1"/>
+          <p:cNvSpPr>
+            <a:spLocks noGrp="1" noRot="1" noChangeAspect="1"/>
+          </p:cNvSpPr>
+          <p:nvPr>
+            <p:ph type="sldImg"/>
+          </p:nvPr>
+        </p:nvSpPr>
+        <p:spPr/>
+      </p:sp>
+      <p:sp>
+        <p:nvSpPr>
+          <p:cNvPr id="3" name="Notes Placeholder 2"/>
+          <p:cNvSpPr>
+            <a:spLocks noGrp="1"/>
+          </p:cNvSpPr>
+          <p:nvPr>
+            <p:ph type="body" idx="1"/>
+          </p:nvPr>
+        </p:nvSpPr>
+        <p:spPr/>
+        <p:txBody>
+          <a:bodyPr/>
+          <a:lstStyle/>
+          <a:p>
+            <a:r>
+              <a:rPr lang="en-US" dirty="0" smtClean="0"/>
+              <a:t>Control de </a:t>
+            </a:r>
+            <a:r>
+              <a:rPr lang="en-US" dirty="0" err="1" smtClean="0"/>
+              <a:t>calidad</a:t>
+            </a:r>
+            <a:r>
+              <a:rPr lang="en-US" baseline="0" dirty="0" smtClean="0"/>
+              <a:t> de </a:t>
+            </a:r>
+            <a:r>
+              <a:rPr lang="en-US" baseline="0" dirty="0" err="1" smtClean="0"/>
+              <a:t>los</a:t>
+            </a:r>
+            <a:r>
+              <a:rPr lang="en-US" baseline="0" dirty="0" smtClean="0"/>
+              <a:t> </a:t>
+            </a:r>
+            <a:r>
+              <a:rPr lang="en-US" baseline="0" dirty="0" err="1" smtClean="0"/>
+              <a:t>datos</a:t>
+            </a:r>
+            <a:r>
+              <a:rPr lang="en-US" baseline="0" dirty="0" smtClean="0"/>
+              <a:t> de </a:t>
+            </a:r>
+            <a:r>
+              <a:rPr lang="en-US" baseline="0" dirty="0" err="1" smtClean="0"/>
+              <a:t>clima</a:t>
+            </a:r>
+            <a:r>
+              <a:rPr lang="en-US" baseline="0" dirty="0" smtClean="0"/>
+              <a:t>.</a:t>
+            </a:r>
+            <a:endParaRPr lang="es-CO" dirty="0"/>
+          </a:p>
+        </p:txBody>
+      </p:sp>
+      <p:sp>
+        <p:nvSpPr>
+          <p:cNvPr id="4" name="Footer Placeholder 3"/>
+          <p:cNvSpPr>
+            <a:spLocks noGrp="1"/>
+          </p:cNvSpPr>
+          <p:nvPr>
+            <p:ph type="ftr" sz="quarter" idx="10"/>
+          </p:nvPr>
+        </p:nvSpPr>
+        <p:spPr/>
+        <p:txBody>
+          <a:bodyPr/>
+          <a:lstStyle/>
+          <a:p>
+            <a:pPr>
+              <a:defRPr/>
+            </a:pPr>
+            <a:r>
+              <a:rPr lang="es-CO" smtClean="0"/>
+              <a:t>CIAT</a:t>
+            </a:r>
+            <a:endParaRPr lang="es-CO"/>
+          </a:p>
+        </p:txBody>
+      </p:sp>
+      <p:sp>
+        <p:nvSpPr>
+          <p:cNvPr id="5" name="Slide Number Placeholder 4"/>
+          <p:cNvSpPr>
+            <a:spLocks noGrp="1"/>
+          </p:cNvSpPr>
+          <p:nvPr>
+            <p:ph type="sldNum" sz="quarter" idx="11"/>
+          </p:nvPr>
+        </p:nvSpPr>
+        <p:spPr/>
+        <p:txBody>
+          <a:bodyPr/>
+          <a:lstStyle/>
+          <a:p>
+            <a:pPr>
+              <a:defRPr/>
+            </a:pPr>
+            <a:fld id="{40BF20FC-FB63-4733-8858-29739189710D}" type="slidenum">
+              <a:rPr lang="es-CO" smtClean="0"/>
+              <a:pPr>
+                <a:defRPr/>
+              </a:pPr>
+              <a:t>16</a:t>
             </a:fld>
             <a:endParaRPr lang="es-CO"/>
           </a:p>
@@ -1337,6 +1529,246 @@
 </file>
 
 <file path=ppt/slideLayouts/slideLayout3.xml><?xml version="1.0" encoding="utf-8"?>
+<p:sldLayout xmlns:a="http://schemas.openxmlformats.org/drawingml/2006/main" xmlns:r="http://schemas.openxmlformats.org/officeDocument/2006/relationships" xmlns:p="http://schemas.openxmlformats.org/presentationml/2006/main" type="obj">
+  <p:cSld name="Title and Content">
+    <p:spTree>
+      <p:nvGrpSpPr>
+        <p:cNvPr id="1" name=""/>
+        <p:cNvGrpSpPr/>
+        <p:nvPr/>
+      </p:nvGrpSpPr>
+      <p:grpSpPr>
+        <a:xfrm>
+          <a:off x="0" y="0"/>
+          <a:ext cx="0" cy="0"/>
+          <a:chOff x="0" y="0"/>
+          <a:chExt cx="0" cy="0"/>
+        </a:xfrm>
+      </p:grpSpPr>
+      <p:sp>
+        <p:nvSpPr>
+          <p:cNvPr id="2" name="Title 1">
+            <a:extLst>
+              <a:ext uri="{FF2B5EF4-FFF2-40B4-BE49-F238E27FC236}">
+                <a16:creationId xmlns="" xmlns:a16="http://schemas.microsoft.com/office/drawing/2014/main" id="{6E66FF9A-30D4-46EC-A89D-C919384E50FD}"/>
+              </a:ext>
+            </a:extLst>
+          </p:cNvPr>
+          <p:cNvSpPr>
+            <a:spLocks noGrp="1"/>
+          </p:cNvSpPr>
+          <p:nvPr>
+            <p:ph type="title"/>
+          </p:nvPr>
+        </p:nvSpPr>
+        <p:spPr>
+          <a:xfrm>
+            <a:off x="838200" y="365125"/>
+            <a:ext cx="10515600" cy="1325563"/>
+          </a:xfrm>
+          <a:prstGeom prst="rect">
+            <a:avLst/>
+          </a:prstGeom>
+        </p:spPr>
+        <p:txBody>
+          <a:bodyPr/>
+          <a:lstStyle/>
+          <a:p>
+            <a:r>
+              <a:rPr lang="en-US"/>
+              <a:t>Click to edit Master title style</a:t>
+            </a:r>
+            <a:endParaRPr lang="es-CO"/>
+          </a:p>
+        </p:txBody>
+      </p:sp>
+      <p:sp>
+        <p:nvSpPr>
+          <p:cNvPr id="3" name="Content Placeholder 2">
+            <a:extLst>
+              <a:ext uri="{FF2B5EF4-FFF2-40B4-BE49-F238E27FC236}">
+                <a16:creationId xmlns="" xmlns:a16="http://schemas.microsoft.com/office/drawing/2014/main" id="{A8F757A3-A1EA-4014-89B4-797047BC5A95}"/>
+              </a:ext>
+            </a:extLst>
+          </p:cNvPr>
+          <p:cNvSpPr>
+            <a:spLocks noGrp="1"/>
+          </p:cNvSpPr>
+          <p:nvPr>
+            <p:ph idx="1"/>
+          </p:nvPr>
+        </p:nvSpPr>
+        <p:spPr>
+          <a:xfrm>
+            <a:off x="838200" y="1825625"/>
+            <a:ext cx="10515600" cy="4351338"/>
+          </a:xfrm>
+          <a:prstGeom prst="rect">
+            <a:avLst/>
+          </a:prstGeom>
+        </p:spPr>
+        <p:txBody>
+          <a:bodyPr/>
+          <a:lstStyle/>
+          <a:p>
+            <a:pPr lvl="0"/>
+            <a:r>
+              <a:rPr lang="en-US"/>
+              <a:t>Edit Master text styles</a:t>
+            </a:r>
+          </a:p>
+          <a:p>
+            <a:pPr lvl="1"/>
+            <a:r>
+              <a:rPr lang="en-US"/>
+              <a:t>Second level</a:t>
+            </a:r>
+          </a:p>
+          <a:p>
+            <a:pPr lvl="2"/>
+            <a:r>
+              <a:rPr lang="en-US"/>
+              <a:t>Third level</a:t>
+            </a:r>
+          </a:p>
+          <a:p>
+            <a:pPr lvl="3"/>
+            <a:r>
+              <a:rPr lang="en-US"/>
+              <a:t>Fourth level</a:t>
+            </a:r>
+          </a:p>
+          <a:p>
+            <a:pPr lvl="4"/>
+            <a:r>
+              <a:rPr lang="en-US"/>
+              <a:t>Fifth level</a:t>
+            </a:r>
+            <a:endParaRPr lang="es-CO"/>
+          </a:p>
+        </p:txBody>
+      </p:sp>
+      <p:sp>
+        <p:nvSpPr>
+          <p:cNvPr id="4" name="Date Placeholder 3">
+            <a:extLst>
+              <a:ext uri="{FF2B5EF4-FFF2-40B4-BE49-F238E27FC236}">
+                <a16:creationId xmlns="" xmlns:a16="http://schemas.microsoft.com/office/drawing/2014/main" id="{D80FBEB9-7DC7-4A51-87C5-4CC64C7ADE53}"/>
+              </a:ext>
+            </a:extLst>
+          </p:cNvPr>
+          <p:cNvSpPr>
+            <a:spLocks noGrp="1"/>
+          </p:cNvSpPr>
+          <p:nvPr>
+            <p:ph type="dt" sz="half" idx="10"/>
+          </p:nvPr>
+        </p:nvSpPr>
+        <p:spPr>
+          <a:xfrm>
+            <a:off x="838200" y="6356350"/>
+            <a:ext cx="2743200" cy="365125"/>
+          </a:xfrm>
+          <a:prstGeom prst="rect">
+            <a:avLst/>
+          </a:prstGeom>
+        </p:spPr>
+        <p:txBody>
+          <a:bodyPr/>
+          <a:lstStyle/>
+          <a:p>
+            <a:fld id="{DCD55E07-5269-412C-8D59-4E05B2E0DBC3}" type="datetimeFigureOut">
+              <a:rPr lang="es-CO" smtClean="0"/>
+              <a:t>18/06/2018</a:t>
+            </a:fld>
+            <a:endParaRPr lang="es-CO"/>
+          </a:p>
+        </p:txBody>
+      </p:sp>
+      <p:sp>
+        <p:nvSpPr>
+          <p:cNvPr id="5" name="Footer Placeholder 4">
+            <a:extLst>
+              <a:ext uri="{FF2B5EF4-FFF2-40B4-BE49-F238E27FC236}">
+                <a16:creationId xmlns="" xmlns:a16="http://schemas.microsoft.com/office/drawing/2014/main" id="{69E57151-2CE1-41BC-9C7B-C6D51DA7939E}"/>
+              </a:ext>
+            </a:extLst>
+          </p:cNvPr>
+          <p:cNvSpPr>
+            <a:spLocks noGrp="1"/>
+          </p:cNvSpPr>
+          <p:nvPr>
+            <p:ph type="ftr" sz="quarter" idx="11"/>
+          </p:nvPr>
+        </p:nvSpPr>
+        <p:spPr>
+          <a:xfrm>
+            <a:off x="4038600" y="6356350"/>
+            <a:ext cx="4114800" cy="365125"/>
+          </a:xfrm>
+          <a:prstGeom prst="rect">
+            <a:avLst/>
+          </a:prstGeom>
+        </p:spPr>
+        <p:txBody>
+          <a:bodyPr/>
+          <a:lstStyle/>
+          <a:p>
+            <a:endParaRPr lang="es-CO"/>
+          </a:p>
+        </p:txBody>
+      </p:sp>
+      <p:sp>
+        <p:nvSpPr>
+          <p:cNvPr id="6" name="Slide Number Placeholder 5">
+            <a:extLst>
+              <a:ext uri="{FF2B5EF4-FFF2-40B4-BE49-F238E27FC236}">
+                <a16:creationId xmlns="" xmlns:a16="http://schemas.microsoft.com/office/drawing/2014/main" id="{862B2B59-9996-47BF-B1EF-8DD937F01797}"/>
+              </a:ext>
+            </a:extLst>
+          </p:cNvPr>
+          <p:cNvSpPr>
+            <a:spLocks noGrp="1"/>
+          </p:cNvSpPr>
+          <p:nvPr>
+            <p:ph type="sldNum" sz="quarter" idx="12"/>
+          </p:nvPr>
+        </p:nvSpPr>
+        <p:spPr>
+          <a:xfrm>
+            <a:off x="8610600" y="6356350"/>
+            <a:ext cx="2743200" cy="365125"/>
+          </a:xfrm>
+          <a:prstGeom prst="rect">
+            <a:avLst/>
+          </a:prstGeom>
+        </p:spPr>
+        <p:txBody>
+          <a:bodyPr/>
+          <a:lstStyle/>
+          <a:p>
+            <a:fld id="{0AC23A87-0A0B-4F3A-91E4-4F25E2E8ED82}" type="slidenum">
+              <a:rPr lang="es-CO" smtClean="0"/>
+              <a:t>‹#›</a:t>
+            </a:fld>
+            <a:endParaRPr lang="es-CO"/>
+          </a:p>
+        </p:txBody>
+      </p:sp>
+    </p:spTree>
+    <p:extLst>
+      <p:ext uri="{BB962C8B-B14F-4D97-AF65-F5344CB8AC3E}">
+        <p14:creationId xmlns:p14="http://schemas.microsoft.com/office/powerpoint/2010/main" val="789744449"/>
+      </p:ext>
+    </p:extLst>
+  </p:cSld>
+  <p:clrMapOvr>
+    <a:masterClrMapping/>
+  </p:clrMapOvr>
+</p:sldLayout>
+</file>
+
+<file path=ppt/slideLayouts/slideLayout4.xml><?xml version="1.0" encoding="utf-8"?>
 <p:sldLayout xmlns:a="http://schemas.openxmlformats.org/drawingml/2006/main" xmlns:r="http://schemas.openxmlformats.org/officeDocument/2006/relationships" xmlns:p="http://schemas.openxmlformats.org/presentationml/2006/main" preserve="1" userDrawn="1">
   <p:cSld name="Title Slide">
     <p:spTree>
@@ -1405,7 +1837,7 @@
 </p:sldLayout>
 </file>
 
-<file path=ppt/slideLayouts/slideLayout4.xml><?xml version="1.0" encoding="utf-8"?>
+<file path=ppt/slideLayouts/slideLayout5.xml><?xml version="1.0" encoding="utf-8"?>
 <p:sldLayout xmlns:a="http://schemas.openxmlformats.org/drawingml/2006/main" xmlns:r="http://schemas.openxmlformats.org/officeDocument/2006/relationships" xmlns:p="http://schemas.openxmlformats.org/presentationml/2006/main" preserve="1" userDrawn="1">
   <p:cSld name="Title Slide">
     <p:spTree>
@@ -1997,7 +2429,7 @@
           <p:nvPr userDrawn="1"/>
         </p:nvPicPr>
         <p:blipFill rotWithShape="1">
-          <a:blip r:embed="rId3">
+          <a:blip r:embed="rId4">
             <a:extLst>
               <a:ext uri="{28A0092B-C50C-407E-A947-70E740481C1C}">
                 <a14:useLocalDpi xmlns:a14="http://schemas.microsoft.com/office/drawing/2010/main" val="0"/>
@@ -2022,6 +2454,7 @@
   <p:clrMap bg1="lt1" tx1="dk1" bg2="lt2" tx2="dk2" accent1="accent1" accent2="accent2" accent3="accent3" accent4="accent4" accent5="accent5" accent6="accent6" hlink="hlink" folHlink="folHlink"/>
   <p:sldLayoutIdLst>
     <p:sldLayoutId id="2147483670" r:id="rId1"/>
+    <p:sldLayoutId id="2147483673" r:id="rId2"/>
   </p:sldLayoutIdLst>
   <p:hf hdr="0"/>
   <p:txStyles>
@@ -3592,7 +4025,6 @@
               <a:rPr lang="en-US" altLang="en-US" dirty="0" smtClean="0"/>
               <a:t> 2018</a:t>
             </a:r>
-            <a:endParaRPr lang="en-US" altLang="en-US" dirty="0" smtClean="0"/>
           </a:p>
         </p:txBody>
       </p:sp>
@@ -3645,7 +4077,6 @@
               <a:rPr lang="en-US" altLang="en-US" dirty="0" smtClean="0"/>
               <a:t>Juan Camilo Rivera 	Hugo Dorado</a:t>
             </a:r>
-            <a:endParaRPr lang="en-US" altLang="en-US" dirty="0" smtClean="0"/>
           </a:p>
         </p:txBody>
       </p:sp>
@@ -3698,7 +4129,6 @@
               <a:rPr lang="en-US" altLang="en-US" dirty="0" smtClean="0"/>
               <a:t>j.c.rivera@cgiar.org              h.a.dorado@cgiar.org</a:t>
             </a:r>
-            <a:endParaRPr lang="en-US" altLang="en-US" dirty="0" smtClean="0"/>
           </a:p>
         </p:txBody>
       </p:sp>
@@ -3717,7 +4147,7 @@
 </p:sld>
 </file>
 
-<file path=ppt/slides/slide2.xml><?xml version="1.0" encoding="utf-8"?>
+<file path=ppt/slides/slide10.xml><?xml version="1.0" encoding="utf-8"?>
 <p:sld xmlns:a="http://schemas.openxmlformats.org/drawingml/2006/main" xmlns:r="http://schemas.openxmlformats.org/officeDocument/2006/relationships" xmlns:p="http://schemas.openxmlformats.org/presentationml/2006/main">
   <p:cSld>
     <p:spTree>
@@ -3736,7 +4166,192 @@
       </p:grpSpPr>
       <p:sp>
         <p:nvSpPr>
-          <p:cNvPr id="7170" name="Title 3"/>
+          <p:cNvPr id="3" name="Content Placeholder 2">
+            <a:extLst>
+              <a:ext uri="{FF2B5EF4-FFF2-40B4-BE49-F238E27FC236}">
+                <a16:creationId xmlns="" xmlns:a16="http://schemas.microsoft.com/office/drawing/2014/main" id="{6FF9D2A6-6A1A-4DCE-B013-D662F4795D88}"/>
+              </a:ext>
+            </a:extLst>
+          </p:cNvPr>
+          <p:cNvSpPr>
+            <a:spLocks noGrp="1"/>
+          </p:cNvSpPr>
+          <p:nvPr>
+            <p:ph idx="1"/>
+          </p:nvPr>
+        </p:nvSpPr>
+        <p:spPr>
+          <a:xfrm>
+            <a:off x="838200" y="715617"/>
+            <a:ext cx="10515600" cy="5461346"/>
+          </a:xfrm>
+        </p:spPr>
+        <p:txBody>
+          <a:bodyPr/>
+          <a:lstStyle/>
+          <a:p>
+            <a:pPr marL="514350" indent="-514350">
+              <a:buAutoNum type="arabicPeriod" startAt="3"/>
+            </a:pPr>
+            <a:r>
+              <a:rPr lang="es-CO" sz="2400" dirty="0" err="1"/>
+              <a:t>Click</a:t>
+            </a:r>
+            <a:r>
+              <a:rPr lang="es-CO" sz="2400" dirty="0"/>
+              <a:t> </a:t>
+            </a:r>
+            <a:r>
+              <a:rPr lang="es-CO" sz="2400" dirty="0" err="1"/>
+              <a:t>version</a:t>
+            </a:r>
+            <a:r>
+              <a:rPr lang="es-CO" sz="2400" dirty="0"/>
+              <a:t> control</a:t>
+            </a:r>
+          </a:p>
+          <a:p>
+            <a:pPr marL="514350" indent="-514350">
+              <a:buAutoNum type="arabicPeriod" startAt="3"/>
+            </a:pPr>
+            <a:endParaRPr lang="es-CO" dirty="0"/>
+          </a:p>
+          <a:p>
+            <a:pPr marL="514350" indent="-514350">
+              <a:buAutoNum type="arabicPeriod" startAt="3"/>
+            </a:pPr>
+            <a:endParaRPr lang="es-CO" dirty="0"/>
+          </a:p>
+          <a:p>
+            <a:pPr marL="514350" indent="-514350">
+              <a:buAutoNum type="arabicPeriod" startAt="3"/>
+            </a:pPr>
+            <a:endParaRPr lang="es-CO" dirty="0"/>
+          </a:p>
+          <a:p>
+            <a:pPr marL="0" indent="0">
+              <a:buNone/>
+            </a:pPr>
+            <a:endParaRPr lang="es-CO" dirty="0"/>
+          </a:p>
+          <a:p>
+            <a:pPr marL="0" indent="0">
+              <a:buNone/>
+            </a:pPr>
+            <a:r>
+              <a:rPr lang="es-CO" sz="2400" dirty="0"/>
+              <a:t>4.  </a:t>
+            </a:r>
+            <a:r>
+              <a:rPr lang="es-CO" sz="2400" dirty="0" err="1"/>
+              <a:t>Click</a:t>
+            </a:r>
+            <a:r>
+              <a:rPr lang="es-CO" sz="2400" dirty="0"/>
+              <a:t> en Git </a:t>
+            </a:r>
+          </a:p>
+        </p:txBody>
+      </p:sp>
+      <p:pic>
+        <p:nvPicPr>
+          <p:cNvPr id="4" name="Picture 3">
+            <a:extLst>
+              <a:ext uri="{FF2B5EF4-FFF2-40B4-BE49-F238E27FC236}">
+                <a16:creationId xmlns="" xmlns:a16="http://schemas.microsoft.com/office/drawing/2014/main" id="{C29D8F2C-0D98-4516-AD06-103D91CA3C5E}"/>
+              </a:ext>
+            </a:extLst>
+          </p:cNvPr>
+          <p:cNvPicPr>
+            <a:picLocks noChangeAspect="1"/>
+          </p:cNvPicPr>
+          <p:nvPr/>
+        </p:nvPicPr>
+        <p:blipFill>
+          <a:blip r:embed="rId2"/>
+          <a:stretch>
+            <a:fillRect/>
+          </a:stretch>
+        </p:blipFill>
+        <p:spPr>
+          <a:xfrm>
+            <a:off x="5204165" y="859300"/>
+            <a:ext cx="2969164" cy="1926103"/>
+          </a:xfrm>
+          <a:prstGeom prst="rect">
+            <a:avLst/>
+          </a:prstGeom>
+        </p:spPr>
+      </p:pic>
+      <p:pic>
+        <p:nvPicPr>
+          <p:cNvPr id="5" name="Picture 4">
+            <a:extLst>
+              <a:ext uri="{FF2B5EF4-FFF2-40B4-BE49-F238E27FC236}">
+                <a16:creationId xmlns="" xmlns:a16="http://schemas.microsoft.com/office/drawing/2014/main" id="{9594D66F-5D17-47A7-B9B7-ABDEAD981E43}"/>
+              </a:ext>
+            </a:extLst>
+          </p:cNvPr>
+          <p:cNvPicPr>
+            <a:picLocks noChangeAspect="1"/>
+          </p:cNvPicPr>
+          <p:nvPr/>
+        </p:nvPicPr>
+        <p:blipFill>
+          <a:blip r:embed="rId3"/>
+          <a:stretch>
+            <a:fillRect/>
+          </a:stretch>
+        </p:blipFill>
+        <p:spPr>
+          <a:xfrm>
+            <a:off x="5204165" y="3662584"/>
+            <a:ext cx="2969164" cy="2133306"/>
+          </a:xfrm>
+          <a:prstGeom prst="rect">
+            <a:avLst/>
+          </a:prstGeom>
+        </p:spPr>
+      </p:pic>
+    </p:spTree>
+    <p:extLst>
+      <p:ext uri="{BB962C8B-B14F-4D97-AF65-F5344CB8AC3E}">
+        <p14:creationId xmlns:p14="http://schemas.microsoft.com/office/powerpoint/2010/main" val="2168068007"/>
+      </p:ext>
+    </p:extLst>
+  </p:cSld>
+  <p:clrMapOvr>
+    <a:masterClrMapping/>
+  </p:clrMapOvr>
+</p:sld>
+</file>
+
+<file path=ppt/slides/slide11.xml><?xml version="1.0" encoding="utf-8"?>
+<p:sld xmlns:a="http://schemas.openxmlformats.org/drawingml/2006/main" xmlns:r="http://schemas.openxmlformats.org/officeDocument/2006/relationships" xmlns:p="http://schemas.openxmlformats.org/presentationml/2006/main">
+  <p:cSld>
+    <p:spTree>
+      <p:nvGrpSpPr>
+        <p:cNvPr id="1" name=""/>
+        <p:cNvGrpSpPr/>
+        <p:nvPr/>
+      </p:nvGrpSpPr>
+      <p:grpSpPr>
+        <a:xfrm>
+          <a:off x="0" y="0"/>
+          <a:ext cx="0" cy="0"/>
+          <a:chOff x="0" y="0"/>
+          <a:chExt cx="0" cy="0"/>
+        </a:xfrm>
+      </p:grpSpPr>
+      <p:sp>
+        <p:nvSpPr>
+          <p:cNvPr id="2" name="Title 1">
+            <a:extLst>
+              <a:ext uri="{FF2B5EF4-FFF2-40B4-BE49-F238E27FC236}">
+                <a16:creationId xmlns="" xmlns:a16="http://schemas.microsoft.com/office/drawing/2014/main" id="{C171E415-6C8E-405C-BC5E-EC2DDA219032}"/>
+              </a:ext>
+            </a:extLst>
+          </p:cNvPr>
           <p:cNvSpPr>
             <a:spLocks noGrp="1"/>
           </p:cNvSpPr>
@@ -3744,55 +4359,501 @@
             <p:ph type="title"/>
           </p:nvPr>
         </p:nvSpPr>
-        <p:spPr bwMode="auto">
+        <p:spPr>
           <a:xfrm>
-            <a:off x="295275" y="273050"/>
-            <a:ext cx="11601450" cy="469900"/>
+            <a:off x="573157" y="497646"/>
+            <a:ext cx="10515600" cy="3994841"/>
           </a:xfrm>
-          <a:noFill/>
-          <a:extLst>
-            <a:ext uri="{909E8E84-426E-40DD-AFC4-6F175D3DCCD1}">
-              <a14:hiddenFill xmlns:a14="http://schemas.microsoft.com/office/drawing/2010/main">
-                <a:solidFill>
-                  <a:srgbClr val="FFFFFF"/>
-                </a:solidFill>
-              </a14:hiddenFill>
-            </a:ext>
-            <a:ext uri="{91240B29-F687-4F45-9708-019B960494DF}">
-              <a14:hiddenLine xmlns:a14="http://schemas.microsoft.com/office/drawing/2010/main" w="9525">
-                <a:solidFill>
-                  <a:srgbClr val="000000"/>
-                </a:solidFill>
-                <a:miter lim="800000"/>
-                <a:headEnd/>
-                <a:tailEnd/>
-              </a14:hiddenLine>
-            </a:ext>
-          </a:extLst>
         </p:spPr>
         <p:txBody>
-          <a:bodyPr vert="horz" wrap="square" lIns="91440" tIns="45720" rIns="91440" bIns="45720" numCol="1" anchor="t" anchorCtr="0" compatLnSpc="1">
-            <a:prstTxWarp prst="textNoShape">
-              <a:avLst/>
-            </a:prstTxWarp>
+          <a:bodyPr>
+            <a:normAutofit fontScale="90000"/>
           </a:bodyPr>
           <a:lstStyle/>
           <a:p>
             <a:r>
-              <a:rPr lang="en-US" altLang="en-US" dirty="0" smtClean="0"/>
-              <a:t>Fuentes de </a:t>
-            </a:r>
-            <a:r>
-              <a:rPr lang="en-US" altLang="en-US" dirty="0" err="1" smtClean="0"/>
-              <a:t>información</a:t>
-            </a:r>
-            <a:endParaRPr lang="en-US" altLang="en-US" dirty="0" smtClean="0"/>
+              <a:rPr lang="es-CO" sz="2700" dirty="0"/>
+              <a:t>5. Ingresar esta dirección en la casilla </a:t>
+            </a:r>
+            <a:r>
+              <a:rPr lang="es-CO" sz="2700" dirty="0" err="1"/>
+              <a:t>respository</a:t>
+            </a:r>
+            <a:r>
+              <a:rPr lang="es-CO" sz="2700" dirty="0"/>
+              <a:t> URL y dar </a:t>
+            </a:r>
+            <a:r>
+              <a:rPr lang="es-CO" sz="2700" dirty="0" err="1"/>
+              <a:t>click</a:t>
+            </a:r>
+            <a:r>
+              <a:rPr lang="es-CO" sz="2700" dirty="0"/>
+              <a:t> en </a:t>
+            </a:r>
+            <a:r>
+              <a:rPr lang="es-CO" sz="2700" dirty="0" err="1"/>
+              <a:t>create</a:t>
+            </a:r>
+            <a:r>
+              <a:rPr lang="es-CO" sz="2700" dirty="0"/>
+              <a:t> </a:t>
+            </a:r>
+            <a:r>
+              <a:rPr lang="es-CO" sz="2700" dirty="0" err="1"/>
+              <a:t>project</a:t>
+            </a:r>
+            <a:r>
+              <a:rPr lang="es-CO" sz="2700" dirty="0" smtClean="0"/>
+              <a:t>:</a:t>
+            </a:r>
+            <a:br>
+              <a:rPr lang="es-CO" sz="2700" dirty="0" smtClean="0"/>
+            </a:br>
+            <a:r>
+              <a:rPr lang="es-CO" sz="2700" dirty="0"/>
+              <a:t/>
+            </a:r>
+            <a:br>
+              <a:rPr lang="es-CO" sz="2700" dirty="0"/>
+            </a:br>
+            <a:r>
+              <a:rPr lang="es-CO" altLang="es-CO" sz="2700" dirty="0" smtClean="0">
+                <a:solidFill>
+                  <a:srgbClr val="24292E"/>
+                </a:solidFill>
+              </a:rPr>
+              <a:t>git@github.com:j-river1/</a:t>
+            </a:r>
+            <a:r>
+              <a:rPr lang="es-CO" altLang="es-CO" sz="2700" dirty="0" err="1" smtClean="0">
+                <a:solidFill>
+                  <a:srgbClr val="24292E"/>
+                </a:solidFill>
+              </a:rPr>
+              <a:t>taller_honduras.git</a:t>
+            </a:r>
+            <a:r>
+              <a:rPr lang="es-CO" altLang="es-CO" sz="2700" dirty="0" smtClean="0"/>
+              <a:t> </a:t>
+            </a:r>
+            <a:r>
+              <a:rPr lang="es-CO" altLang="es-CO" sz="7200" dirty="0">
+                <a:latin typeface="Arial" panose="020B0604020202020204" pitchFamily="34" charset="0"/>
+              </a:rPr>
+              <a:t/>
+            </a:r>
+            <a:br>
+              <a:rPr lang="es-CO" altLang="es-CO" sz="7200" dirty="0">
+                <a:latin typeface="Arial" panose="020B0604020202020204" pitchFamily="34" charset="0"/>
+              </a:rPr>
+            </a:br>
+            <a:r>
+              <a:rPr lang="es-CO" sz="3600" dirty="0"/>
+              <a:t/>
+            </a:r>
+            <a:br>
+              <a:rPr lang="es-CO" sz="3600" dirty="0"/>
+            </a:br>
+            <a:r>
+              <a:rPr lang="es-CO" sz="2700" dirty="0">
+                <a:highlight>
+                  <a:srgbClr val="FFFF00"/>
+                </a:highlight>
+              </a:rPr>
+              <a:t/>
+            </a:r>
+            <a:br>
+              <a:rPr lang="es-CO" sz="2700" dirty="0">
+                <a:highlight>
+                  <a:srgbClr val="FFFF00"/>
+                </a:highlight>
+              </a:rPr>
+            </a:br>
+            <a:r>
+              <a:rPr lang="es-CO" sz="2700" dirty="0">
+                <a:highlight>
+                  <a:srgbClr val="FFFF00"/>
+                </a:highlight>
+              </a:rPr>
+              <a:t/>
+            </a:r>
+            <a:br>
+              <a:rPr lang="es-CO" sz="2700" dirty="0">
+                <a:highlight>
+                  <a:srgbClr val="FFFF00"/>
+                </a:highlight>
+              </a:rPr>
+            </a:br>
+            <a:r>
+              <a:rPr lang="es-CO" sz="2700" dirty="0">
+                <a:highlight>
+                  <a:srgbClr val="FFFF00"/>
+                </a:highlight>
+              </a:rPr>
+              <a:t/>
+            </a:r>
+            <a:br>
+              <a:rPr lang="es-CO" sz="2700" dirty="0">
+                <a:highlight>
+                  <a:srgbClr val="FFFF00"/>
+                </a:highlight>
+              </a:rPr>
+            </a:br>
+            <a:r>
+              <a:rPr lang="es-CO" sz="3600" dirty="0">
+                <a:highlight>
+                  <a:srgbClr val="FFFF00"/>
+                </a:highlight>
+              </a:rPr>
+              <a:t/>
+            </a:r>
+            <a:br>
+              <a:rPr lang="es-CO" sz="3600" dirty="0">
+                <a:highlight>
+                  <a:srgbClr val="FFFF00"/>
+                </a:highlight>
+              </a:rPr>
+            </a:br>
+            <a:r>
+              <a:rPr lang="es-CO" sz="3600" dirty="0"/>
+              <a:t/>
+            </a:r>
+            <a:br>
+              <a:rPr lang="es-CO" sz="3600" dirty="0"/>
+            </a:br>
+            <a:r>
+              <a:rPr lang="es-CO" sz="3600" dirty="0"/>
+              <a:t/>
+            </a:r>
+            <a:br>
+              <a:rPr lang="es-CO" sz="3600" dirty="0"/>
+            </a:br>
+            <a:r>
+              <a:rPr lang="es-CO" sz="3600" dirty="0"/>
+              <a:t/>
+            </a:r>
+            <a:br>
+              <a:rPr lang="es-CO" sz="3600" dirty="0"/>
+            </a:br>
+            <a:endParaRPr lang="es-CO" sz="3600" dirty="0"/>
+          </a:p>
+        </p:txBody>
+      </p:sp>
+      <p:pic>
+        <p:nvPicPr>
+          <p:cNvPr id="9" name="Picture 8"/>
+          <p:cNvPicPr>
+            <a:picLocks noChangeAspect="1"/>
+          </p:cNvPicPr>
+          <p:nvPr/>
+        </p:nvPicPr>
+        <p:blipFill>
+          <a:blip r:embed="rId2"/>
+          <a:stretch>
+            <a:fillRect/>
+          </a:stretch>
+        </p:blipFill>
+        <p:spPr>
+          <a:xfrm>
+            <a:off x="3692102" y="1828801"/>
+            <a:ext cx="4277710" cy="3090041"/>
+          </a:xfrm>
+          <a:prstGeom prst="rect">
+            <a:avLst/>
+          </a:prstGeom>
+        </p:spPr>
+      </p:pic>
+    </p:spTree>
+    <p:extLst>
+      <p:ext uri="{BB962C8B-B14F-4D97-AF65-F5344CB8AC3E}">
+        <p14:creationId xmlns:p14="http://schemas.microsoft.com/office/powerpoint/2010/main" val="3533237051"/>
+      </p:ext>
+    </p:extLst>
+  </p:cSld>
+  <p:clrMapOvr>
+    <a:masterClrMapping/>
+  </p:clrMapOvr>
+</p:sld>
+</file>
+
+<file path=ppt/slides/slide12.xml><?xml version="1.0" encoding="utf-8"?>
+<p:sld xmlns:a="http://schemas.openxmlformats.org/drawingml/2006/main" xmlns:r="http://schemas.openxmlformats.org/officeDocument/2006/relationships" xmlns:p="http://schemas.openxmlformats.org/presentationml/2006/main">
+  <p:cSld>
+    <p:spTree>
+      <p:nvGrpSpPr>
+        <p:cNvPr id="1" name=""/>
+        <p:cNvGrpSpPr/>
+        <p:nvPr/>
+      </p:nvGrpSpPr>
+      <p:grpSpPr>
+        <a:xfrm>
+          <a:off x="0" y="0"/>
+          <a:ext cx="0" cy="0"/>
+          <a:chOff x="0" y="0"/>
+          <a:chExt cx="0" cy="0"/>
+        </a:xfrm>
+      </p:grpSpPr>
+      <p:sp>
+        <p:nvSpPr>
+          <p:cNvPr id="3" name="Content Placeholder 2">
+            <a:extLst>
+              <a:ext uri="{FF2B5EF4-FFF2-40B4-BE49-F238E27FC236}">
+                <a16:creationId xmlns="" xmlns:a16="http://schemas.microsoft.com/office/drawing/2014/main" id="{97292F1E-CD58-4468-B013-6D19ADEE1738}"/>
+              </a:ext>
+            </a:extLst>
+          </p:cNvPr>
+          <p:cNvSpPr>
+            <a:spLocks noGrp="1"/>
+          </p:cNvSpPr>
+          <p:nvPr>
+            <p:ph idx="1"/>
+          </p:nvPr>
+        </p:nvSpPr>
+        <p:spPr>
+          <a:xfrm>
+            <a:off x="838200" y="569843"/>
+            <a:ext cx="10515600" cy="5607120"/>
+          </a:xfrm>
+        </p:spPr>
+        <p:txBody>
+          <a:bodyPr>
+            <a:normAutofit/>
+          </a:bodyPr>
+          <a:lstStyle/>
+          <a:p>
+            <a:r>
+              <a:rPr lang="es-CO" sz="2400" dirty="0"/>
+              <a:t>6. En R </a:t>
+            </a:r>
+            <a:r>
+              <a:rPr lang="es-CO" sz="2400" dirty="0" err="1"/>
+              <a:t>studio</a:t>
+            </a:r>
+            <a:r>
+              <a:rPr lang="es-CO" sz="2400" dirty="0"/>
+              <a:t> ir al menú File &gt; Open File </a:t>
+            </a:r>
+            <a:r>
+              <a:rPr lang="es-CO" sz="2400" dirty="0"/>
+              <a:t> </a:t>
+            </a:r>
+            <a:r>
+              <a:rPr lang="es-CO" sz="2400" dirty="0" smtClean="0"/>
+              <a:t>  </a:t>
+            </a:r>
+          </a:p>
+          <a:p>
+            <a:pPr marL="0" indent="0">
+              <a:buNone/>
+            </a:pPr>
+            <a:r>
+              <a:rPr lang="es-CO" sz="2400" dirty="0" smtClean="0"/>
+              <a:t>                                                        &gt; DIA_2 &gt;  </a:t>
+            </a:r>
+            <a:r>
+              <a:rPr lang="es-CO" sz="2400" dirty="0" err="1" smtClean="0"/>
+              <a:t>script_presentacion</a:t>
+            </a:r>
+            <a:endParaRPr lang="es-CO" sz="2400" dirty="0"/>
+          </a:p>
+        </p:txBody>
+      </p:sp>
+      <p:pic>
+        <p:nvPicPr>
+          <p:cNvPr id="4" name="Picture 3">
+            <a:extLst>
+              <a:ext uri="{FF2B5EF4-FFF2-40B4-BE49-F238E27FC236}">
+                <a16:creationId xmlns="" xmlns:a16="http://schemas.microsoft.com/office/drawing/2014/main" id="{398B1458-2923-46DF-8075-2A1B4AC6036B}"/>
+              </a:ext>
+            </a:extLst>
+          </p:cNvPr>
+          <p:cNvPicPr>
+            <a:picLocks noChangeAspect="1"/>
+          </p:cNvPicPr>
+          <p:nvPr/>
+        </p:nvPicPr>
+        <p:blipFill>
+          <a:blip r:embed="rId2"/>
+          <a:stretch>
+            <a:fillRect/>
+          </a:stretch>
+        </p:blipFill>
+        <p:spPr>
+          <a:xfrm>
+            <a:off x="1335444" y="1581807"/>
+            <a:ext cx="2933700" cy="2314575"/>
+          </a:xfrm>
+          <a:prstGeom prst="rect">
+            <a:avLst/>
+          </a:prstGeom>
+        </p:spPr>
+      </p:pic>
+      <p:pic>
+        <p:nvPicPr>
+          <p:cNvPr id="5" name="Picture 4"/>
+          <p:cNvPicPr>
+            <a:picLocks noChangeAspect="1"/>
+          </p:cNvPicPr>
+          <p:nvPr/>
+        </p:nvPicPr>
+        <p:blipFill>
+          <a:blip r:embed="rId3"/>
+          <a:stretch>
+            <a:fillRect/>
+          </a:stretch>
+        </p:blipFill>
+        <p:spPr>
+          <a:xfrm>
+            <a:off x="4946773" y="1581807"/>
+            <a:ext cx="6629400" cy="2895600"/>
+          </a:xfrm>
+          <a:prstGeom prst="rect">
+            <a:avLst/>
+          </a:prstGeom>
+        </p:spPr>
+      </p:pic>
+    </p:spTree>
+    <p:extLst>
+      <p:ext uri="{BB962C8B-B14F-4D97-AF65-F5344CB8AC3E}">
+        <p14:creationId xmlns:p14="http://schemas.microsoft.com/office/powerpoint/2010/main" val="2016379785"/>
+      </p:ext>
+    </p:extLst>
+  </p:cSld>
+  <p:clrMapOvr>
+    <a:masterClrMapping/>
+  </p:clrMapOvr>
+</p:sld>
+</file>
+
+<file path=ppt/slides/slide13.xml><?xml version="1.0" encoding="utf-8"?>
+<p:sld xmlns:a="http://schemas.openxmlformats.org/drawingml/2006/main" xmlns:r="http://schemas.openxmlformats.org/officeDocument/2006/relationships" xmlns:p="http://schemas.openxmlformats.org/presentationml/2006/main">
+  <p:cSld>
+    <p:spTree>
+      <p:nvGrpSpPr>
+        <p:cNvPr id="1" name=""/>
+        <p:cNvGrpSpPr/>
+        <p:nvPr/>
+      </p:nvGrpSpPr>
+      <p:grpSpPr>
+        <a:xfrm>
+          <a:off x="0" y="0"/>
+          <a:ext cx="0" cy="0"/>
+          <a:chOff x="0" y="0"/>
+          <a:chExt cx="0" cy="0"/>
+        </a:xfrm>
+      </p:grpSpPr>
+      <p:sp>
+        <p:nvSpPr>
+          <p:cNvPr id="2" name="Title 1"/>
+          <p:cNvSpPr>
+            <a:spLocks noGrp="1"/>
+          </p:cNvSpPr>
+          <p:nvPr>
+            <p:ph type="title"/>
+          </p:nvPr>
+        </p:nvSpPr>
+        <p:spPr/>
+        <p:txBody>
+          <a:bodyPr/>
+          <a:lstStyle/>
+          <a:p>
+            <a:r>
+              <a:rPr lang="en-US" dirty="0" smtClean="0"/>
+              <a:t> </a:t>
+            </a:r>
+            <a:endParaRPr lang="es-CO" dirty="0"/>
+          </a:p>
+        </p:txBody>
+      </p:sp>
+      <p:pic>
+        <p:nvPicPr>
+          <p:cNvPr id="4" name="Picture 3"/>
+          <p:cNvPicPr>
+            <a:picLocks noChangeAspect="1"/>
+          </p:cNvPicPr>
+          <p:nvPr/>
+        </p:nvPicPr>
+        <p:blipFill>
+          <a:blip r:embed="rId2"/>
+          <a:stretch>
+            <a:fillRect/>
+          </a:stretch>
+        </p:blipFill>
+        <p:spPr>
+          <a:xfrm>
+            <a:off x="1227083" y="743712"/>
+            <a:ext cx="8077200" cy="4953000"/>
+          </a:xfrm>
+          <a:prstGeom prst="rect">
+            <a:avLst/>
+          </a:prstGeom>
+        </p:spPr>
+      </p:pic>
+    </p:spTree>
+    <p:extLst>
+      <p:ext uri="{BB962C8B-B14F-4D97-AF65-F5344CB8AC3E}">
+        <p14:creationId xmlns:p14="http://schemas.microsoft.com/office/powerpoint/2010/main" val="3392166322"/>
+      </p:ext>
+    </p:extLst>
+  </p:cSld>
+  <p:clrMapOvr>
+    <a:masterClrMapping/>
+  </p:clrMapOvr>
+</p:sld>
+</file>
+
+<file path=ppt/slides/slide14.xml><?xml version="1.0" encoding="utf-8"?>
+<p:sld xmlns:a="http://schemas.openxmlformats.org/drawingml/2006/main" xmlns:r="http://schemas.openxmlformats.org/officeDocument/2006/relationships" xmlns:p="http://schemas.openxmlformats.org/presentationml/2006/main">
+  <p:cSld>
+    <p:spTree>
+      <p:nvGrpSpPr>
+        <p:cNvPr id="1" name=""/>
+        <p:cNvGrpSpPr/>
+        <p:nvPr/>
+      </p:nvGrpSpPr>
+      <p:grpSpPr>
+        <a:xfrm>
+          <a:off x="0" y="0"/>
+          <a:ext cx="0" cy="0"/>
+          <a:chOff x="0" y="0"/>
+          <a:chExt cx="0" cy="0"/>
+        </a:xfrm>
+      </p:grpSpPr>
+      <p:sp>
+        <p:nvSpPr>
+          <p:cNvPr id="2" name="Title 1"/>
+          <p:cNvSpPr>
+            <a:spLocks noGrp="1"/>
+          </p:cNvSpPr>
+          <p:nvPr>
+            <p:ph type="title"/>
+          </p:nvPr>
+        </p:nvSpPr>
+        <p:spPr/>
+        <p:txBody>
+          <a:bodyPr/>
+          <a:lstStyle/>
+          <a:p>
+            <a:r>
+              <a:rPr lang="en-US" dirty="0" smtClean="0"/>
+              <a:t>Control de </a:t>
+            </a:r>
+            <a:r>
+              <a:rPr lang="en-US" dirty="0" err="1" smtClean="0"/>
+              <a:t>calidad</a:t>
+            </a:r>
+            <a:r>
+              <a:rPr lang="en-US" dirty="0" smtClean="0"/>
+              <a:t> </a:t>
+            </a:r>
+            <a:endParaRPr lang="es-CO" dirty="0"/>
           </a:p>
         </p:txBody>
       </p:sp>
       <p:sp>
         <p:nvSpPr>
-          <p:cNvPr id="7171" name="Text Placeholder 4"/>
+          <p:cNvPr id="3" name="Text Placeholder 2"/>
           <p:cNvSpPr>
             <a:spLocks noGrp="1"/>
           </p:cNvSpPr>
@@ -3800,82 +4861,228 @@
             <p:ph type="body" sz="quarter" idx="16"/>
           </p:nvPr>
         </p:nvSpPr>
-        <p:spPr bwMode="auto">
-          <a:xfrm>
-            <a:off x="295275" y="987425"/>
-            <a:ext cx="11601450" cy="4962525"/>
-          </a:xfrm>
-          <a:noFill/>
-          <a:extLst>
-            <a:ext uri="{909E8E84-426E-40DD-AFC4-6F175D3DCCD1}">
-              <a14:hiddenFill xmlns:a14="http://schemas.microsoft.com/office/drawing/2010/main">
-                <a:solidFill>
-                  <a:srgbClr val="FFFFFF"/>
-                </a:solidFill>
-              </a14:hiddenFill>
-            </a:ext>
-            <a:ext uri="{91240B29-F687-4F45-9708-019B960494DF}">
-              <a14:hiddenLine xmlns:a14="http://schemas.microsoft.com/office/drawing/2010/main" w="9525">
-                <a:solidFill>
-                  <a:srgbClr val="000000"/>
-                </a:solidFill>
-                <a:miter lim="800000"/>
-                <a:headEnd/>
-                <a:tailEnd/>
-              </a14:hiddenLine>
-            </a:ext>
-          </a:extLst>
-        </p:spPr>
+        <p:spPr/>
         <p:txBody>
-          <a:bodyPr vert="horz" wrap="square" lIns="91440" tIns="45720" rIns="91440" bIns="45720" numCol="1" compatLnSpc="1">
-            <a:prstTxWarp prst="textNoShape">
-              <a:avLst/>
-            </a:prstTxWarp>
-          </a:bodyPr>
+          <a:bodyPr/>
           <a:lstStyle/>
           <a:p>
-            <a:pPr marL="514350" indent="-514350">
-              <a:buAutoNum type="arabicPeriod"/>
+            <a:pPr marL="285750" indent="-285750">
+              <a:buFontTx/>
+              <a:buChar char="-"/>
             </a:pPr>
             <a:r>
-              <a:rPr lang="en-US" altLang="en-US" dirty="0" smtClean="0"/>
-              <a:t>Locales</a:t>
-            </a:r>
-          </a:p>
-          <a:p>
-            <a:pPr marL="514350" indent="-514350">
-              <a:buAutoNum type="arabicPeriod"/>
+              <a:rPr lang="en-US" dirty="0" err="1"/>
+              <a:t>Valores</a:t>
+            </a:r>
+            <a:r>
+              <a:rPr lang="en-US" dirty="0"/>
+              <a:t> </a:t>
+            </a:r>
+            <a:r>
+              <a:rPr lang="en-US" dirty="0" err="1"/>
+              <a:t>maximos</a:t>
+            </a:r>
+            <a:r>
+              <a:rPr lang="en-US" dirty="0"/>
+              <a:t> y </a:t>
+            </a:r>
+            <a:r>
+              <a:rPr lang="en-US" dirty="0" err="1"/>
+              <a:t>minimos</a:t>
+            </a:r>
+            <a:r>
+              <a:rPr lang="en-US" dirty="0"/>
+              <a:t> para TX, TM, RH y SR </a:t>
+            </a:r>
+            <a:r>
+              <a:rPr lang="en-US" dirty="0" smtClean="0"/>
+              <a:t>.</a:t>
+            </a:r>
+          </a:p>
+          <a:p>
+            <a:endParaRPr lang="en-US" dirty="0"/>
+          </a:p>
+          <a:p>
+            <a:pPr marL="285750" indent="-285750">
+              <a:buFontTx/>
+              <a:buChar char="-"/>
             </a:pPr>
-            <a:endParaRPr lang="en-US" altLang="en-US" dirty="0"/>
-          </a:p>
-          <a:p>
-            <a:pPr marL="514350" indent="-514350">
-              <a:buAutoNum type="arabicPeriod"/>
+            <a:r>
+              <a:rPr lang="en-US" dirty="0"/>
+              <a:t>Para el </a:t>
+            </a:r>
+            <a:r>
+              <a:rPr lang="en-US" dirty="0" err="1"/>
+              <a:t>valores</a:t>
+            </a:r>
+            <a:r>
+              <a:rPr lang="en-US" dirty="0"/>
+              <a:t> </a:t>
+            </a:r>
+            <a:r>
+              <a:rPr lang="en-US" dirty="0" err="1"/>
+              <a:t>maximo</a:t>
+            </a:r>
+            <a:r>
+              <a:rPr lang="en-US" dirty="0"/>
+              <a:t> de SR se </a:t>
+            </a:r>
+            <a:r>
+              <a:rPr lang="en-US" dirty="0" err="1"/>
+              <a:t>configuran</a:t>
+            </a:r>
+            <a:r>
+              <a:rPr lang="en-US" dirty="0"/>
+              <a:t> de </a:t>
+            </a:r>
+            <a:r>
+              <a:rPr lang="en-US" dirty="0" err="1"/>
+              <a:t>acuerdo</a:t>
+            </a:r>
+            <a:r>
+              <a:rPr lang="en-US" dirty="0"/>
+              <a:t> a la WMO (World </a:t>
+            </a:r>
+            <a:r>
+              <a:rPr lang="en-US" dirty="0" err="1"/>
+              <a:t>Metereroligal</a:t>
+            </a:r>
+            <a:r>
+              <a:rPr lang="en-US" dirty="0"/>
+              <a:t> Organization) que </a:t>
+            </a:r>
+            <a:r>
+              <a:rPr lang="en-US" dirty="0" err="1"/>
+              <a:t>es</a:t>
+            </a:r>
+            <a:r>
+              <a:rPr lang="en-US" dirty="0"/>
+              <a:t> 1600 </a:t>
+            </a:r>
+            <a:r>
+              <a:rPr lang="en-US" dirty="0" smtClean="0"/>
+              <a:t>WAM^2</a:t>
+            </a:r>
+          </a:p>
+          <a:p>
+            <a:endParaRPr lang="en-US" dirty="0"/>
+          </a:p>
+          <a:p>
+            <a:pPr marL="285750" indent="-285750">
+              <a:buFontTx/>
+              <a:buChar char="-"/>
             </a:pPr>
             <a:r>
-              <a:rPr lang="en-US" altLang="en-US" dirty="0" err="1" smtClean="0"/>
-              <a:t>Internacionales</a:t>
-            </a:r>
-            <a:endParaRPr lang="en-US" altLang="en-US" dirty="0" smtClean="0"/>
+              <a:rPr lang="en-US" dirty="0" err="1"/>
+              <a:t>Latitud</a:t>
+            </a:r>
+            <a:r>
+              <a:rPr lang="en-US" dirty="0"/>
+              <a:t> y </a:t>
+            </a:r>
+            <a:r>
+              <a:rPr lang="en-US" dirty="0" err="1"/>
+              <a:t>longitud</a:t>
+            </a:r>
+            <a:r>
+              <a:rPr lang="en-US" dirty="0"/>
+              <a:t> </a:t>
+            </a:r>
+            <a:r>
+              <a:rPr lang="en-US" dirty="0" err="1"/>
+              <a:t>promedio</a:t>
+            </a:r>
+            <a:r>
+              <a:rPr lang="en-US" dirty="0"/>
+              <a:t> de la zona de </a:t>
+            </a:r>
+            <a:r>
+              <a:rPr lang="en-US" dirty="0" err="1"/>
+              <a:t>estudio</a:t>
+            </a:r>
+            <a:r>
+              <a:rPr lang="en-US" dirty="0"/>
+              <a:t> (para </a:t>
+            </a:r>
+            <a:r>
+              <a:rPr lang="en-US" dirty="0" err="1"/>
+              <a:t>posteriores</a:t>
+            </a:r>
+            <a:r>
+              <a:rPr lang="en-US" dirty="0"/>
+              <a:t> </a:t>
+            </a:r>
+            <a:r>
+              <a:rPr lang="en-US" dirty="0" err="1"/>
+              <a:t>calculos</a:t>
+            </a:r>
+            <a:r>
+              <a:rPr lang="en-US" dirty="0"/>
+              <a:t> de horas de </a:t>
+            </a:r>
+            <a:r>
+              <a:rPr lang="en-US" dirty="0" err="1"/>
+              <a:t>amanecer</a:t>
+            </a:r>
+            <a:r>
+              <a:rPr lang="en-US" dirty="0"/>
+              <a:t> y </a:t>
+            </a:r>
+            <a:r>
+              <a:rPr lang="en-US" dirty="0" err="1"/>
+              <a:t>anochecer</a:t>
+            </a:r>
+            <a:r>
+              <a:rPr lang="en-US" dirty="0"/>
+              <a:t>) </a:t>
+            </a:r>
+            <a:endParaRPr lang="en-US" dirty="0" smtClean="0"/>
+          </a:p>
+          <a:p>
+            <a:endParaRPr lang="en-US" dirty="0"/>
+          </a:p>
+          <a:p>
+            <a:pPr marL="285750" indent="-285750">
+              <a:buFontTx/>
+              <a:buChar char="-"/>
+            </a:pPr>
+            <a:r>
+              <a:rPr lang="en-US" dirty="0"/>
+              <a:t>La zona </a:t>
+            </a:r>
+            <a:r>
+              <a:rPr lang="en-US" dirty="0" err="1"/>
+              <a:t>horaria</a:t>
+            </a:r>
+            <a:r>
+              <a:rPr lang="en-US" dirty="0"/>
+              <a:t> de  la zona de </a:t>
+            </a:r>
+            <a:r>
+              <a:rPr lang="en-US" dirty="0" err="1"/>
+              <a:t>estudio</a:t>
+            </a:r>
+            <a:endParaRPr lang="en-US" dirty="0"/>
+          </a:p>
+          <a:p>
+            <a:endParaRPr lang="es-CO" dirty="0"/>
           </a:p>
         </p:txBody>
       </p:sp>
     </p:spTree>
+    <p:extLst>
+      <p:ext uri="{BB962C8B-B14F-4D97-AF65-F5344CB8AC3E}">
+        <p14:creationId xmlns:p14="http://schemas.microsoft.com/office/powerpoint/2010/main" val="769437451"/>
+      </p:ext>
+    </p:extLst>
   </p:cSld>
   <p:clrMapOvr>
     <a:masterClrMapping/>
   </p:clrMapOvr>
-  <p:timing>
-    <p:tnLst>
-      <p:par>
-        <p:cTn id="1" dur="indefinite" restart="never" nodeType="tmRoot"/>
-      </p:par>
-    </p:tnLst>
-  </p:timing>
 </p:sld>
 </file>
 
-<file path=ppt/slides/slide3.xml><?xml version="1.0" encoding="utf-8"?>
+<file path=ppt/slides/slide15.xml><?xml version="1.0" encoding="utf-8"?>
 <p:sld xmlns:a="http://schemas.openxmlformats.org/drawingml/2006/main" xmlns:r="http://schemas.openxmlformats.org/officeDocument/2006/relationships" xmlns:p="http://schemas.openxmlformats.org/presentationml/2006/main">
   <p:cSld>
     <p:spTree>
@@ -4281,7 +5488,7 @@
 </p:sld>
 </file>
 
-<file path=ppt/slides/slide4.xml><?xml version="1.0" encoding="utf-8"?>
+<file path=ppt/slides/slide16.xml><?xml version="1.0" encoding="utf-8"?>
 <p:sld xmlns:a="http://schemas.openxmlformats.org/drawingml/2006/main" xmlns:r="http://schemas.openxmlformats.org/officeDocument/2006/relationships" xmlns:p="http://schemas.openxmlformats.org/presentationml/2006/main">
   <p:cSld>
     <p:spTree>
@@ -4394,7 +5601,7 @@
 </p:sld>
 </file>
 
-<file path=ppt/slides/slide5.xml><?xml version="1.0" encoding="utf-8"?>
+<file path=ppt/slides/slide17.xml><?xml version="1.0" encoding="utf-8"?>
 <p:sld xmlns:a="http://schemas.openxmlformats.org/drawingml/2006/main" xmlns:r="http://schemas.openxmlformats.org/officeDocument/2006/relationships" xmlns:p="http://schemas.openxmlformats.org/presentationml/2006/main">
   <p:cSld>
     <p:spTree>
@@ -4494,7 +5701,7 @@
 </p:sld>
 </file>
 
-<file path=ppt/slides/slide6.xml><?xml version="1.0" encoding="utf-8"?>
+<file path=ppt/slides/slide18.xml><?xml version="1.0" encoding="utf-8"?>
 <p:sld xmlns:a="http://schemas.openxmlformats.org/drawingml/2006/main" xmlns:r="http://schemas.openxmlformats.org/officeDocument/2006/relationships" xmlns:p="http://schemas.openxmlformats.org/presentationml/2006/main">
   <p:cSld>
     <p:spTree>
@@ -4710,7 +5917,7 @@
 </p:sld>
 </file>
 
-<file path=ppt/slides/slide7.xml><?xml version="1.0" encoding="utf-8"?>
+<file path=ppt/slides/slide19.xml><?xml version="1.0" encoding="utf-8"?>
 <p:sld xmlns:a="http://schemas.openxmlformats.org/drawingml/2006/main" xmlns:r="http://schemas.openxmlformats.org/officeDocument/2006/relationships" xmlns:p="http://schemas.openxmlformats.org/presentationml/2006/main">
   <p:cSld>
     <p:spTree>
@@ -4839,7 +6046,260 @@
 </p:sld>
 </file>
 
-<file path=ppt/slides/slide8.xml><?xml version="1.0" encoding="utf-8"?>
+<file path=ppt/slides/slide2.xml><?xml version="1.0" encoding="utf-8"?>
+<p:sld xmlns:a="http://schemas.openxmlformats.org/drawingml/2006/main" xmlns:r="http://schemas.openxmlformats.org/officeDocument/2006/relationships" xmlns:p="http://schemas.openxmlformats.org/presentationml/2006/main">
+  <p:cSld>
+    <p:spTree>
+      <p:nvGrpSpPr>
+        <p:cNvPr id="1" name=""/>
+        <p:cNvGrpSpPr/>
+        <p:nvPr/>
+      </p:nvGrpSpPr>
+      <p:grpSpPr>
+        <a:xfrm>
+          <a:off x="0" y="0"/>
+          <a:ext cx="0" cy="0"/>
+          <a:chOff x="0" y="0"/>
+          <a:chExt cx="0" cy="0"/>
+        </a:xfrm>
+      </p:grpSpPr>
+      <p:sp>
+        <p:nvSpPr>
+          <p:cNvPr id="7170" name="Title 3"/>
+          <p:cNvSpPr>
+            <a:spLocks noGrp="1"/>
+          </p:cNvSpPr>
+          <p:nvPr>
+            <p:ph type="title"/>
+          </p:nvPr>
+        </p:nvSpPr>
+        <p:spPr bwMode="auto">
+          <a:xfrm>
+            <a:off x="295275" y="273050"/>
+            <a:ext cx="11601450" cy="469900"/>
+          </a:xfrm>
+          <a:noFill/>
+          <a:extLst>
+            <a:ext uri="{909E8E84-426E-40DD-AFC4-6F175D3DCCD1}">
+              <a14:hiddenFill xmlns:a14="http://schemas.microsoft.com/office/drawing/2010/main">
+                <a:solidFill>
+                  <a:srgbClr val="FFFFFF"/>
+                </a:solidFill>
+              </a14:hiddenFill>
+            </a:ext>
+            <a:ext uri="{91240B29-F687-4F45-9708-019B960494DF}">
+              <a14:hiddenLine xmlns:a14="http://schemas.microsoft.com/office/drawing/2010/main" w="9525">
+                <a:solidFill>
+                  <a:srgbClr val="000000"/>
+                </a:solidFill>
+                <a:miter lim="800000"/>
+                <a:headEnd/>
+                <a:tailEnd/>
+              </a14:hiddenLine>
+            </a:ext>
+          </a:extLst>
+        </p:spPr>
+        <p:txBody>
+          <a:bodyPr vert="horz" wrap="square" lIns="91440" tIns="45720" rIns="91440" bIns="45720" numCol="1" anchor="t" anchorCtr="0" compatLnSpc="1">
+            <a:prstTxWarp prst="textNoShape">
+              <a:avLst/>
+            </a:prstTxWarp>
+          </a:bodyPr>
+          <a:lstStyle/>
+          <a:p>
+            <a:r>
+              <a:rPr lang="en-US" altLang="en-US" dirty="0" smtClean="0"/>
+              <a:t>Fuentes de </a:t>
+            </a:r>
+            <a:r>
+              <a:rPr lang="en-US" altLang="en-US" dirty="0" err="1" smtClean="0"/>
+              <a:t>información</a:t>
+            </a:r>
+            <a:endParaRPr lang="en-US" altLang="en-US" dirty="0" smtClean="0"/>
+          </a:p>
+        </p:txBody>
+      </p:sp>
+      <p:sp>
+        <p:nvSpPr>
+          <p:cNvPr id="7171" name="Text Placeholder 4"/>
+          <p:cNvSpPr>
+            <a:spLocks noGrp="1"/>
+          </p:cNvSpPr>
+          <p:nvPr>
+            <p:ph type="body" sz="quarter" idx="16"/>
+          </p:nvPr>
+        </p:nvSpPr>
+        <p:spPr bwMode="auto">
+          <a:xfrm>
+            <a:off x="295275" y="987425"/>
+            <a:ext cx="11601450" cy="4962525"/>
+          </a:xfrm>
+          <a:noFill/>
+          <a:extLst>
+            <a:ext uri="{909E8E84-426E-40DD-AFC4-6F175D3DCCD1}">
+              <a14:hiddenFill xmlns:a14="http://schemas.microsoft.com/office/drawing/2010/main">
+                <a:solidFill>
+                  <a:srgbClr val="FFFFFF"/>
+                </a:solidFill>
+              </a14:hiddenFill>
+            </a:ext>
+            <a:ext uri="{91240B29-F687-4F45-9708-019B960494DF}">
+              <a14:hiddenLine xmlns:a14="http://schemas.microsoft.com/office/drawing/2010/main" w="9525">
+                <a:solidFill>
+                  <a:srgbClr val="000000"/>
+                </a:solidFill>
+                <a:miter lim="800000"/>
+                <a:headEnd/>
+                <a:tailEnd/>
+              </a14:hiddenLine>
+            </a:ext>
+          </a:extLst>
+        </p:spPr>
+        <p:txBody>
+          <a:bodyPr vert="horz" wrap="square" lIns="91440" tIns="45720" rIns="91440" bIns="45720" numCol="1" compatLnSpc="1">
+            <a:prstTxWarp prst="textNoShape">
+              <a:avLst/>
+            </a:prstTxWarp>
+          </a:bodyPr>
+          <a:lstStyle/>
+          <a:p>
+            <a:endParaRPr lang="en-US" altLang="en-US" dirty="0" smtClean="0"/>
+          </a:p>
+          <a:p>
+            <a:endParaRPr lang="en-US" altLang="en-US" dirty="0"/>
+          </a:p>
+          <a:p>
+            <a:endParaRPr lang="en-US" altLang="en-US" dirty="0" smtClean="0"/>
+          </a:p>
+          <a:p>
+            <a:endParaRPr lang="en-US" altLang="en-US" dirty="0"/>
+          </a:p>
+          <a:p>
+            <a:endParaRPr lang="en-US" altLang="en-US" dirty="0" smtClean="0"/>
+          </a:p>
+          <a:p>
+            <a:pPr marL="514350" indent="-514350">
+              <a:buAutoNum type="arabicPeriod"/>
+            </a:pPr>
+            <a:endParaRPr lang="en-US" altLang="en-US" dirty="0"/>
+          </a:p>
+          <a:p>
+            <a:endParaRPr lang="en-US" altLang="en-US" dirty="0" smtClean="0"/>
+          </a:p>
+        </p:txBody>
+      </p:sp>
+      <p:pic>
+        <p:nvPicPr>
+          <p:cNvPr id="2" name="Picture 1"/>
+          <p:cNvPicPr>
+            <a:picLocks noChangeAspect="1"/>
+          </p:cNvPicPr>
+          <p:nvPr/>
+        </p:nvPicPr>
+        <p:blipFill>
+          <a:blip r:embed="rId3"/>
+          <a:stretch>
+            <a:fillRect/>
+          </a:stretch>
+        </p:blipFill>
+        <p:spPr>
+          <a:xfrm>
+            <a:off x="7977021" y="2160970"/>
+            <a:ext cx="3552825" cy="3505200"/>
+          </a:xfrm>
+          <a:prstGeom prst="rect">
+            <a:avLst/>
+          </a:prstGeom>
+        </p:spPr>
+      </p:pic>
+      <p:pic>
+        <p:nvPicPr>
+          <p:cNvPr id="3" name="Picture 2"/>
+          <p:cNvPicPr>
+            <a:picLocks noChangeAspect="1"/>
+          </p:cNvPicPr>
+          <p:nvPr/>
+        </p:nvPicPr>
+        <p:blipFill>
+          <a:blip r:embed="rId4"/>
+          <a:stretch>
+            <a:fillRect/>
+          </a:stretch>
+        </p:blipFill>
+        <p:spPr>
+          <a:xfrm>
+            <a:off x="7835789" y="742950"/>
+            <a:ext cx="3694057" cy="1327588"/>
+          </a:xfrm>
+          <a:prstGeom prst="rect">
+            <a:avLst/>
+          </a:prstGeom>
+        </p:spPr>
+      </p:pic>
+      <p:pic>
+        <p:nvPicPr>
+          <p:cNvPr id="4" name="Picture 3"/>
+          <p:cNvPicPr>
+            <a:picLocks noChangeAspect="1"/>
+          </p:cNvPicPr>
+          <p:nvPr/>
+        </p:nvPicPr>
+        <p:blipFill>
+          <a:blip r:embed="rId5"/>
+          <a:stretch>
+            <a:fillRect/>
+          </a:stretch>
+        </p:blipFill>
+        <p:spPr>
+          <a:xfrm>
+            <a:off x="742617" y="2160970"/>
+            <a:ext cx="6867525" cy="3505200"/>
+          </a:xfrm>
+          <a:prstGeom prst="rect">
+            <a:avLst/>
+          </a:prstGeom>
+        </p:spPr>
+      </p:pic>
+      <p:pic>
+        <p:nvPicPr>
+          <p:cNvPr id="5" name="Picture 4"/>
+          <p:cNvPicPr>
+            <a:picLocks noChangeAspect="1"/>
+          </p:cNvPicPr>
+          <p:nvPr/>
+        </p:nvPicPr>
+        <p:blipFill>
+          <a:blip r:embed="rId6"/>
+          <a:stretch>
+            <a:fillRect/>
+          </a:stretch>
+        </p:blipFill>
+        <p:spPr>
+          <a:xfrm>
+            <a:off x="742617" y="1132270"/>
+            <a:ext cx="6867525" cy="1028700"/>
+          </a:xfrm>
+          <a:prstGeom prst="rect">
+            <a:avLst/>
+          </a:prstGeom>
+        </p:spPr>
+      </p:pic>
+    </p:spTree>
+  </p:cSld>
+  <p:clrMapOvr>
+    <a:masterClrMapping/>
+  </p:clrMapOvr>
+  <p:timing>
+    <p:tnLst>
+      <p:par>
+        <p:cTn id="1" dur="indefinite" restart="never" nodeType="tmRoot"/>
+      </p:par>
+    </p:tnLst>
+  </p:timing>
+</p:sld>
+</file>
+
+<file path=ppt/slides/slide20.xml><?xml version="1.0" encoding="utf-8"?>
 <p:sld xmlns:a="http://schemas.openxmlformats.org/drawingml/2006/main" xmlns:r="http://schemas.openxmlformats.org/officeDocument/2006/relationships" xmlns:p="http://schemas.openxmlformats.org/presentationml/2006/main">
   <p:cSld>
     <p:spTree>
@@ -5028,6 +6488,1921 @@
       </p:par>
     </p:tnLst>
   </p:timing>
+</p:sld>
+</file>
+
+<file path=ppt/slides/slide3.xml><?xml version="1.0" encoding="utf-8"?>
+<p:sld xmlns:a="http://schemas.openxmlformats.org/drawingml/2006/main" xmlns:r="http://schemas.openxmlformats.org/officeDocument/2006/relationships" xmlns:p="http://schemas.openxmlformats.org/presentationml/2006/main">
+  <p:cSld>
+    <p:spTree>
+      <p:nvGrpSpPr>
+        <p:cNvPr id="1" name=""/>
+        <p:cNvGrpSpPr/>
+        <p:nvPr/>
+      </p:nvGrpSpPr>
+      <p:grpSpPr>
+        <a:xfrm>
+          <a:off x="0" y="0"/>
+          <a:ext cx="0" cy="0"/>
+          <a:chOff x="0" y="0"/>
+          <a:chExt cx="0" cy="0"/>
+        </a:xfrm>
+      </p:grpSpPr>
+      <p:sp>
+        <p:nvSpPr>
+          <p:cNvPr id="3" name="Text Placeholder 2"/>
+          <p:cNvSpPr>
+            <a:spLocks noGrp="1"/>
+          </p:cNvSpPr>
+          <p:nvPr>
+            <p:ph type="body" sz="quarter" idx="16"/>
+          </p:nvPr>
+        </p:nvSpPr>
+        <p:spPr>
+          <a:xfrm>
+            <a:off x="296005" y="462456"/>
+            <a:ext cx="11599990" cy="5487240"/>
+          </a:xfrm>
+        </p:spPr>
+        <p:txBody>
+          <a:bodyPr/>
+          <a:lstStyle/>
+          <a:p>
+            <a:r>
+              <a:rPr lang="en-US" sz="3200" dirty="0" err="1" smtClean="0">
+                <a:solidFill>
+                  <a:srgbClr val="C00000"/>
+                </a:solidFill>
+              </a:rPr>
+              <a:t>Archivos</a:t>
+            </a:r>
+            <a:r>
+              <a:rPr lang="en-US" sz="3200" dirty="0" smtClean="0">
+                <a:solidFill>
+                  <a:srgbClr val="C00000"/>
+                </a:solidFill>
+              </a:rPr>
+              <a:t> </a:t>
+            </a:r>
+            <a:r>
+              <a:rPr lang="en-US" sz="3200" dirty="0" err="1" smtClean="0">
+                <a:solidFill>
+                  <a:srgbClr val="C00000"/>
+                </a:solidFill>
+              </a:rPr>
+              <a:t>planos</a:t>
+            </a:r>
+            <a:endParaRPr lang="en-US" sz="3200" dirty="0" smtClean="0">
+              <a:solidFill>
+                <a:srgbClr val="C00000"/>
+              </a:solidFill>
+            </a:endParaRPr>
+          </a:p>
+          <a:p>
+            <a:r>
+              <a:rPr lang="en-US" sz="3200" dirty="0" err="1" smtClean="0">
+                <a:solidFill>
+                  <a:srgbClr val="C00000"/>
+                </a:solidFill>
+              </a:rPr>
+              <a:t>Tipos</a:t>
+            </a:r>
+            <a:endParaRPr lang="en-US" sz="3200" dirty="0" smtClean="0">
+              <a:solidFill>
+                <a:srgbClr val="C00000"/>
+              </a:solidFill>
+            </a:endParaRPr>
+          </a:p>
+          <a:p>
+            <a:endParaRPr lang="en-US" sz="3200" dirty="0">
+              <a:solidFill>
+                <a:srgbClr val="C00000"/>
+              </a:solidFill>
+            </a:endParaRPr>
+          </a:p>
+          <a:p>
+            <a:endParaRPr lang="en-US" sz="3200" dirty="0" smtClean="0">
+              <a:solidFill>
+                <a:srgbClr val="C00000"/>
+              </a:solidFill>
+            </a:endParaRPr>
+          </a:p>
+          <a:p>
+            <a:endParaRPr lang="es-CO" sz="3200" dirty="0">
+              <a:solidFill>
+                <a:srgbClr val="C00000"/>
+              </a:solidFill>
+            </a:endParaRPr>
+          </a:p>
+        </p:txBody>
+      </p:sp>
+      <p:pic>
+        <p:nvPicPr>
+          <p:cNvPr id="9" name="Picture 8"/>
+          <p:cNvPicPr>
+            <a:picLocks noChangeAspect="1"/>
+          </p:cNvPicPr>
+          <p:nvPr/>
+        </p:nvPicPr>
+        <p:blipFill>
+          <a:blip r:embed="rId2"/>
+          <a:stretch>
+            <a:fillRect/>
+          </a:stretch>
+        </p:blipFill>
+        <p:spPr>
+          <a:xfrm>
+            <a:off x="1996966" y="1666875"/>
+            <a:ext cx="8429296" cy="3336049"/>
+          </a:xfrm>
+          <a:prstGeom prst="rect">
+            <a:avLst/>
+          </a:prstGeom>
+        </p:spPr>
+      </p:pic>
+    </p:spTree>
+    <p:extLst>
+      <p:ext uri="{BB962C8B-B14F-4D97-AF65-F5344CB8AC3E}">
+        <p14:creationId xmlns:p14="http://schemas.microsoft.com/office/powerpoint/2010/main" val="3069477731"/>
+      </p:ext>
+    </p:extLst>
+  </p:cSld>
+  <p:clrMapOvr>
+    <a:masterClrMapping/>
+  </p:clrMapOvr>
+</p:sld>
+</file>
+
+<file path=ppt/slides/slide4.xml><?xml version="1.0" encoding="utf-8"?>
+<p:sld xmlns:a="http://schemas.openxmlformats.org/drawingml/2006/main" xmlns:r="http://schemas.openxmlformats.org/officeDocument/2006/relationships" xmlns:p="http://schemas.openxmlformats.org/presentationml/2006/main">
+  <p:cSld>
+    <p:spTree>
+      <p:nvGrpSpPr>
+        <p:cNvPr id="1" name=""/>
+        <p:cNvGrpSpPr/>
+        <p:nvPr/>
+      </p:nvGrpSpPr>
+      <p:grpSpPr>
+        <a:xfrm>
+          <a:off x="0" y="0"/>
+          <a:ext cx="0" cy="0"/>
+          <a:chOff x="0" y="0"/>
+          <a:chExt cx="0" cy="0"/>
+        </a:xfrm>
+      </p:grpSpPr>
+      <p:sp>
+        <p:nvSpPr>
+          <p:cNvPr id="2" name="Title 1"/>
+          <p:cNvSpPr>
+            <a:spLocks noGrp="1"/>
+          </p:cNvSpPr>
+          <p:nvPr>
+            <p:ph type="title"/>
+          </p:nvPr>
+        </p:nvSpPr>
+        <p:spPr/>
+        <p:txBody>
+          <a:bodyPr/>
+          <a:lstStyle/>
+          <a:p>
+            <a:r>
+              <a:rPr lang="en-US" dirty="0" smtClean="0"/>
+              <a:t>Variables y </a:t>
+            </a:r>
+            <a:r>
+              <a:rPr lang="en-US" dirty="0" err="1" smtClean="0"/>
+              <a:t>unidades</a:t>
+            </a:r>
+            <a:endParaRPr lang="es-CO" dirty="0"/>
+          </a:p>
+        </p:txBody>
+      </p:sp>
+      <p:pic>
+        <p:nvPicPr>
+          <p:cNvPr id="4" name="Picture 3"/>
+          <p:cNvPicPr>
+            <a:picLocks noChangeAspect="1"/>
+          </p:cNvPicPr>
+          <p:nvPr/>
+        </p:nvPicPr>
+        <p:blipFill>
+          <a:blip r:embed="rId2"/>
+          <a:stretch>
+            <a:fillRect/>
+          </a:stretch>
+        </p:blipFill>
+        <p:spPr>
+          <a:xfrm>
+            <a:off x="3008108" y="1849999"/>
+            <a:ext cx="6175783" cy="3158002"/>
+          </a:xfrm>
+          <a:prstGeom prst="rect">
+            <a:avLst/>
+          </a:prstGeom>
+        </p:spPr>
+      </p:pic>
+      <p:sp>
+        <p:nvSpPr>
+          <p:cNvPr id="3" name="Text Placeholder 2"/>
+          <p:cNvSpPr>
+            <a:spLocks noGrp="1"/>
+          </p:cNvSpPr>
+          <p:nvPr>
+            <p:ph type="body" sz="quarter" idx="16"/>
+          </p:nvPr>
+        </p:nvSpPr>
+        <p:spPr/>
+        <p:txBody>
+          <a:bodyPr/>
+          <a:lstStyle/>
+          <a:p>
+            <a:endParaRPr lang="es-CO" dirty="0"/>
+          </a:p>
+        </p:txBody>
+      </p:sp>
+    </p:spTree>
+    <p:extLst>
+      <p:ext uri="{BB962C8B-B14F-4D97-AF65-F5344CB8AC3E}">
+        <p14:creationId xmlns:p14="http://schemas.microsoft.com/office/powerpoint/2010/main" val="686194931"/>
+      </p:ext>
+    </p:extLst>
+  </p:cSld>
+  <p:clrMapOvr>
+    <a:masterClrMapping/>
+  </p:clrMapOvr>
+</p:sld>
+</file>
+
+<file path=ppt/slides/slide5.xml><?xml version="1.0" encoding="utf-8"?>
+<p:sld xmlns:a="http://schemas.openxmlformats.org/drawingml/2006/main" xmlns:r="http://schemas.openxmlformats.org/officeDocument/2006/relationships" xmlns:p="http://schemas.openxmlformats.org/presentationml/2006/main">
+  <p:cSld>
+    <p:spTree>
+      <p:nvGrpSpPr>
+        <p:cNvPr id="1" name=""/>
+        <p:cNvGrpSpPr/>
+        <p:nvPr/>
+      </p:nvGrpSpPr>
+      <p:grpSpPr>
+        <a:xfrm>
+          <a:off x="0" y="0"/>
+          <a:ext cx="0" cy="0"/>
+          <a:chOff x="0" y="0"/>
+          <a:chExt cx="0" cy="0"/>
+        </a:xfrm>
+      </p:grpSpPr>
+      <p:sp>
+        <p:nvSpPr>
+          <p:cNvPr id="2" name="Title 1"/>
+          <p:cNvSpPr>
+            <a:spLocks noGrp="1"/>
+          </p:cNvSpPr>
+          <p:nvPr>
+            <p:ph type="title"/>
+          </p:nvPr>
+        </p:nvSpPr>
+        <p:spPr/>
+        <p:txBody>
+          <a:bodyPr/>
+          <a:lstStyle/>
+          <a:p>
+            <a:r>
+              <a:rPr lang="en-US" dirty="0" err="1" smtClean="0"/>
+              <a:t>Unidades</a:t>
+            </a:r>
+            <a:r>
+              <a:rPr lang="en-US" dirty="0" smtClean="0"/>
+              <a:t>  </a:t>
+            </a:r>
+            <a:endParaRPr lang="es-CO" dirty="0"/>
+          </a:p>
+        </p:txBody>
+      </p:sp>
+      <p:graphicFrame>
+        <p:nvGraphicFramePr>
+          <p:cNvPr id="4" name="Table 3"/>
+          <p:cNvGraphicFramePr>
+            <a:graphicFrameLocks noGrp="1"/>
+          </p:cNvGraphicFramePr>
+          <p:nvPr>
+            <p:extLst>
+              <p:ext uri="{D42A27DB-BD31-4B8C-83A1-F6EECF244321}">
+                <p14:modId xmlns:p14="http://schemas.microsoft.com/office/powerpoint/2010/main" val="3390358479"/>
+              </p:ext>
+            </p:extLst>
+          </p:nvPr>
+        </p:nvGraphicFramePr>
+        <p:xfrm>
+          <a:off x="3058150" y="1414431"/>
+          <a:ext cx="5418666" cy="3505200"/>
+        </p:xfrm>
+        <a:graphic>
+          <a:graphicData uri="http://schemas.openxmlformats.org/drawingml/2006/table">
+            <a:tbl>
+              <a:tblPr firstRow="1" bandRow="1">
+                <a:tableStyleId>{C083E6E3-FA7D-4D7B-A595-EF9225AFEA82}</a:tableStyleId>
+              </a:tblPr>
+              <a:tblGrid>
+                <a:gridCol w="2709333">
+                  <a:extLst>
+                    <a:ext uri="{9D8B030D-6E8A-4147-A177-3AD203B41FA5}">
+                      <a16:colId xmlns="" xmlns:a16="http://schemas.microsoft.com/office/drawing/2014/main" val="20000"/>
+                    </a:ext>
+                  </a:extLst>
+                </a:gridCol>
+                <a:gridCol w="2709333">
+                  <a:extLst>
+                    <a:ext uri="{9D8B030D-6E8A-4147-A177-3AD203B41FA5}">
+                      <a16:colId xmlns="" xmlns:a16="http://schemas.microsoft.com/office/drawing/2014/main" val="20001"/>
+                    </a:ext>
+                  </a:extLst>
+                </a:gridCol>
+              </a:tblGrid>
+              <a:tr h="370840">
+                <a:tc>
+                  <a:txBody>
+                    <a:bodyPr/>
+                    <a:lstStyle/>
+                    <a:p>
+                      <a:r>
+                        <a:rPr lang="en-US" dirty="0" err="1"/>
+                        <a:t>Abreviacion</a:t>
+                      </a:r>
+                      <a:endParaRPr lang="en-US" dirty="0"/>
+                    </a:p>
+                  </a:txBody>
+                  <a:tcPr/>
+                </a:tc>
+                <a:tc>
+                  <a:txBody>
+                    <a:bodyPr/>
+                    <a:lstStyle/>
+                    <a:p>
+                      <a:r>
+                        <a:rPr lang="en-US" dirty="0" err="1"/>
+                        <a:t>Unidad</a:t>
+                      </a:r>
+                      <a:r>
+                        <a:rPr lang="en-US" baseline="0" dirty="0"/>
+                        <a:t> de </a:t>
+                      </a:r>
+                      <a:r>
+                        <a:rPr lang="en-US" baseline="0" dirty="0" err="1"/>
+                        <a:t>Medida</a:t>
+                      </a:r>
+                      <a:endParaRPr lang="en-US" dirty="0"/>
+                    </a:p>
+                  </a:txBody>
+                  <a:tcPr/>
+                </a:tc>
+                <a:extLst>
+                  <a:ext uri="{0D108BD9-81ED-4DB2-BD59-A6C34878D82A}">
+                    <a16:rowId xmlns="" xmlns:a16="http://schemas.microsoft.com/office/drawing/2014/main" val="10000"/>
+                  </a:ext>
+                </a:extLst>
+              </a:tr>
+              <a:tr h="370840">
+                <a:tc>
+                  <a:txBody>
+                    <a:bodyPr/>
+                    <a:lstStyle/>
+                    <a:p>
+                      <a:r>
+                        <a:rPr lang="en-US" dirty="0"/>
+                        <a:t>CD</a:t>
+                      </a:r>
+                    </a:p>
+                  </a:txBody>
+                  <a:tcPr/>
+                </a:tc>
+                <a:tc>
+                  <a:txBody>
+                    <a:bodyPr/>
+                    <a:lstStyle/>
+                    <a:p>
+                      <a:r>
+                        <a:rPr lang="en-US" dirty="0"/>
+                        <a:t>Grados</a:t>
+                      </a:r>
+                      <a:r>
+                        <a:rPr lang="en-US" baseline="0" dirty="0"/>
+                        <a:t> </a:t>
+                      </a:r>
+                      <a:r>
+                        <a:rPr lang="en-US" baseline="0" dirty="0" err="1"/>
+                        <a:t>Celisus</a:t>
+                      </a:r>
+                      <a:endParaRPr lang="en-US" dirty="0"/>
+                    </a:p>
+                  </a:txBody>
+                  <a:tcPr/>
+                </a:tc>
+                <a:extLst>
+                  <a:ext uri="{0D108BD9-81ED-4DB2-BD59-A6C34878D82A}">
+                    <a16:rowId xmlns="" xmlns:a16="http://schemas.microsoft.com/office/drawing/2014/main" val="10001"/>
+                  </a:ext>
+                </a:extLst>
+              </a:tr>
+              <a:tr h="370840">
+                <a:tc>
+                  <a:txBody>
+                    <a:bodyPr/>
+                    <a:lstStyle/>
+                    <a:p>
+                      <a:r>
+                        <a:rPr lang="en-US" dirty="0"/>
+                        <a:t>FD</a:t>
+                      </a:r>
+                    </a:p>
+                  </a:txBody>
+                  <a:tcPr/>
+                </a:tc>
+                <a:tc>
+                  <a:txBody>
+                    <a:bodyPr/>
+                    <a:lstStyle/>
+                    <a:p>
+                      <a:r>
+                        <a:rPr lang="en-US" dirty="0"/>
+                        <a:t>Grados</a:t>
+                      </a:r>
+                      <a:r>
+                        <a:rPr lang="en-US" baseline="0" dirty="0"/>
+                        <a:t>  Fahrenheit</a:t>
+                      </a:r>
+                      <a:endParaRPr lang="en-US" dirty="0"/>
+                    </a:p>
+                  </a:txBody>
+                  <a:tcPr/>
+                </a:tc>
+                <a:extLst>
+                  <a:ext uri="{0D108BD9-81ED-4DB2-BD59-A6C34878D82A}">
+                    <a16:rowId xmlns="" xmlns:a16="http://schemas.microsoft.com/office/drawing/2014/main" val="10002"/>
+                  </a:ext>
+                </a:extLst>
+              </a:tr>
+              <a:tr h="370840">
+                <a:tc>
+                  <a:txBody>
+                    <a:bodyPr/>
+                    <a:lstStyle/>
+                    <a:p>
+                      <a:r>
+                        <a:rPr lang="en-US" dirty="0"/>
+                        <a:t>MM</a:t>
+                      </a:r>
+                    </a:p>
+                  </a:txBody>
+                  <a:tcPr/>
+                </a:tc>
+                <a:tc>
+                  <a:txBody>
+                    <a:bodyPr/>
+                    <a:lstStyle/>
+                    <a:p>
+                      <a:r>
+                        <a:rPr lang="en-US" dirty="0"/>
+                        <a:t>Mililitros</a:t>
+                      </a:r>
+                    </a:p>
+                  </a:txBody>
+                  <a:tcPr/>
+                </a:tc>
+                <a:extLst>
+                  <a:ext uri="{0D108BD9-81ED-4DB2-BD59-A6C34878D82A}">
+                    <a16:rowId xmlns="" xmlns:a16="http://schemas.microsoft.com/office/drawing/2014/main" val="10003"/>
+                  </a:ext>
+                </a:extLst>
+              </a:tr>
+              <a:tr h="370840">
+                <a:tc>
+                  <a:txBody>
+                    <a:bodyPr/>
+                    <a:lstStyle/>
+                    <a:p>
+                      <a:r>
+                        <a:rPr lang="en-US" dirty="0"/>
+                        <a:t>NE</a:t>
+                      </a:r>
+                    </a:p>
+                  </a:txBody>
+                  <a:tcPr/>
+                </a:tc>
+                <a:tc>
+                  <a:txBody>
+                    <a:bodyPr/>
+                    <a:lstStyle/>
+                    <a:p>
+                      <a:r>
+                        <a:rPr lang="en-US" dirty="0"/>
+                        <a:t>Número</a:t>
+                      </a:r>
+                      <a:r>
+                        <a:rPr lang="en-US" baseline="0" dirty="0"/>
+                        <a:t> entre 0 y 100</a:t>
+                      </a:r>
+                      <a:endParaRPr lang="en-US" dirty="0"/>
+                    </a:p>
+                  </a:txBody>
+                  <a:tcPr/>
+                </a:tc>
+                <a:extLst>
+                  <a:ext uri="{0D108BD9-81ED-4DB2-BD59-A6C34878D82A}">
+                    <a16:rowId xmlns="" xmlns:a16="http://schemas.microsoft.com/office/drawing/2014/main" val="10004"/>
+                  </a:ext>
+                </a:extLst>
+              </a:tr>
+              <a:tr h="370840">
+                <a:tc>
+                  <a:txBody>
+                    <a:bodyPr/>
+                    <a:lstStyle/>
+                    <a:p>
+                      <a:r>
+                        <a:rPr lang="en-US" dirty="0"/>
+                        <a:t>CCM2</a:t>
+                      </a:r>
+                    </a:p>
+                  </a:txBody>
+                  <a:tcPr/>
+                </a:tc>
+                <a:tc>
+                  <a:txBody>
+                    <a:bodyPr/>
+                    <a:lstStyle/>
+                    <a:p>
+                      <a:r>
+                        <a:rPr lang="en-US" dirty="0"/>
+                        <a:t>Calorias </a:t>
+                      </a:r>
+                      <a:r>
+                        <a:rPr lang="en-US" dirty="0" err="1"/>
+                        <a:t>por</a:t>
+                      </a:r>
+                      <a:r>
+                        <a:rPr lang="en-US" dirty="0"/>
+                        <a:t> centimetro</a:t>
+                      </a:r>
+                      <a:r>
+                        <a:rPr lang="en-US" baseline="0" dirty="0"/>
+                        <a:t> cuadrado</a:t>
+                      </a:r>
+                      <a:endParaRPr lang="en-US" dirty="0"/>
+                    </a:p>
+                  </a:txBody>
+                  <a:tcPr/>
+                </a:tc>
+                <a:extLst>
+                  <a:ext uri="{0D108BD9-81ED-4DB2-BD59-A6C34878D82A}">
+                    <a16:rowId xmlns="" xmlns:a16="http://schemas.microsoft.com/office/drawing/2014/main" val="10005"/>
+                  </a:ext>
+                </a:extLst>
+              </a:tr>
+              <a:tr h="370840">
+                <a:tc>
+                  <a:txBody>
+                    <a:bodyPr/>
+                    <a:lstStyle/>
+                    <a:p>
+                      <a:r>
+                        <a:rPr lang="en-US" dirty="0"/>
+                        <a:t>MJM2</a:t>
+                      </a:r>
+                    </a:p>
+                  </a:txBody>
+                  <a:tcPr/>
+                </a:tc>
+                <a:tc>
+                  <a:txBody>
+                    <a:bodyPr/>
+                    <a:lstStyle/>
+                    <a:p>
+                      <a:r>
+                        <a:rPr lang="en-US" dirty="0"/>
+                        <a:t>Mega</a:t>
+                      </a:r>
+                      <a:r>
+                        <a:rPr lang="en-US" baseline="0" dirty="0"/>
+                        <a:t> Julio </a:t>
+                      </a:r>
+                      <a:r>
+                        <a:rPr lang="en-US" baseline="0" dirty="0" err="1"/>
+                        <a:t>por</a:t>
+                      </a:r>
+                      <a:r>
+                        <a:rPr lang="en-US" baseline="0" dirty="0"/>
+                        <a:t> metro cuadrado</a:t>
+                      </a:r>
+                      <a:endParaRPr lang="en-US" dirty="0"/>
+                    </a:p>
+                  </a:txBody>
+                  <a:tcPr/>
+                </a:tc>
+                <a:extLst>
+                  <a:ext uri="{0D108BD9-81ED-4DB2-BD59-A6C34878D82A}">
+                    <a16:rowId xmlns="" xmlns:a16="http://schemas.microsoft.com/office/drawing/2014/main" val="10006"/>
+                  </a:ext>
+                </a:extLst>
+              </a:tr>
+              <a:tr h="370840">
+                <a:tc>
+                  <a:txBody>
+                    <a:bodyPr/>
+                    <a:lstStyle/>
+                    <a:p>
+                      <a:r>
+                        <a:rPr lang="en-US" dirty="0"/>
+                        <a:t>WAM2</a:t>
+                      </a:r>
+                    </a:p>
+                  </a:txBody>
+                  <a:tcPr/>
+                </a:tc>
+                <a:tc>
+                  <a:txBody>
+                    <a:bodyPr/>
+                    <a:lstStyle/>
+                    <a:p>
+                      <a:r>
+                        <a:rPr lang="en-US" dirty="0"/>
+                        <a:t>Watts</a:t>
+                      </a:r>
+                      <a:r>
+                        <a:rPr lang="en-US" baseline="0" dirty="0"/>
+                        <a:t> </a:t>
+                      </a:r>
+                      <a:r>
+                        <a:rPr lang="en-US" baseline="0" dirty="0" err="1"/>
+                        <a:t>por</a:t>
+                      </a:r>
+                      <a:r>
+                        <a:rPr lang="en-US" baseline="0" dirty="0"/>
+                        <a:t> metro cuadrado</a:t>
+                      </a:r>
+                      <a:endParaRPr lang="en-US" dirty="0"/>
+                    </a:p>
+                  </a:txBody>
+                  <a:tcPr/>
+                </a:tc>
+                <a:extLst>
+                  <a:ext uri="{0D108BD9-81ED-4DB2-BD59-A6C34878D82A}">
+                    <a16:rowId xmlns="" xmlns:a16="http://schemas.microsoft.com/office/drawing/2014/main" val="10007"/>
+                  </a:ext>
+                </a:extLst>
+              </a:tr>
+            </a:tbl>
+          </a:graphicData>
+        </a:graphic>
+      </p:graphicFrame>
+    </p:spTree>
+    <p:extLst>
+      <p:ext uri="{BB962C8B-B14F-4D97-AF65-F5344CB8AC3E}">
+        <p14:creationId xmlns:p14="http://schemas.microsoft.com/office/powerpoint/2010/main" val="520297790"/>
+      </p:ext>
+    </p:extLst>
+  </p:cSld>
+  <p:clrMapOvr>
+    <a:masterClrMapping/>
+  </p:clrMapOvr>
+</p:sld>
+</file>
+
+<file path=ppt/slides/slide6.xml><?xml version="1.0" encoding="utf-8"?>
+<p:sld xmlns:a="http://schemas.openxmlformats.org/drawingml/2006/main" xmlns:r="http://schemas.openxmlformats.org/officeDocument/2006/relationships" xmlns:p="http://schemas.openxmlformats.org/presentationml/2006/main">
+  <p:cSld>
+    <p:spTree>
+      <p:nvGrpSpPr>
+        <p:cNvPr id="1" name=""/>
+        <p:cNvGrpSpPr/>
+        <p:nvPr/>
+      </p:nvGrpSpPr>
+      <p:grpSpPr>
+        <a:xfrm>
+          <a:off x="0" y="0"/>
+          <a:ext cx="0" cy="0"/>
+          <a:chOff x="0" y="0"/>
+          <a:chExt cx="0" cy="0"/>
+        </a:xfrm>
+      </p:grpSpPr>
+      <p:sp>
+        <p:nvSpPr>
+          <p:cNvPr id="2" name="Title 1"/>
+          <p:cNvSpPr>
+            <a:spLocks noGrp="1"/>
+          </p:cNvSpPr>
+          <p:nvPr>
+            <p:ph type="title"/>
+          </p:nvPr>
+        </p:nvSpPr>
+        <p:spPr/>
+        <p:txBody>
+          <a:bodyPr/>
+          <a:lstStyle/>
+          <a:p>
+            <a:r>
+              <a:rPr lang="en-US" dirty="0" err="1" smtClean="0"/>
+              <a:t>Formato</a:t>
+            </a:r>
+            <a:r>
+              <a:rPr lang="en-US" dirty="0" smtClean="0"/>
+              <a:t> </a:t>
+            </a:r>
+            <a:r>
+              <a:rPr lang="en-US" dirty="0" err="1" smtClean="0"/>
+              <a:t>único</a:t>
+            </a:r>
+            <a:r>
+              <a:rPr lang="en-US" dirty="0" smtClean="0"/>
+              <a:t> </a:t>
+            </a:r>
+            <a:endParaRPr lang="es-CO" dirty="0"/>
+          </a:p>
+        </p:txBody>
+      </p:sp>
+      <p:pic>
+        <p:nvPicPr>
+          <p:cNvPr id="5" name="Picture 4"/>
+          <p:cNvPicPr>
+            <a:picLocks noChangeAspect="1"/>
+          </p:cNvPicPr>
+          <p:nvPr/>
+        </p:nvPicPr>
+        <p:blipFill>
+          <a:blip r:embed="rId2"/>
+          <a:stretch>
+            <a:fillRect/>
+          </a:stretch>
+        </p:blipFill>
+        <p:spPr>
+          <a:xfrm>
+            <a:off x="2304065" y="993391"/>
+            <a:ext cx="6343650" cy="4219575"/>
+          </a:xfrm>
+          <a:prstGeom prst="rect">
+            <a:avLst/>
+          </a:prstGeom>
+        </p:spPr>
+      </p:pic>
+    </p:spTree>
+    <p:extLst>
+      <p:ext uri="{BB962C8B-B14F-4D97-AF65-F5344CB8AC3E}">
+        <p14:creationId xmlns:p14="http://schemas.microsoft.com/office/powerpoint/2010/main" val="1871492401"/>
+      </p:ext>
+    </p:extLst>
+  </p:cSld>
+  <p:clrMapOvr>
+    <a:masterClrMapping/>
+  </p:clrMapOvr>
+</p:sld>
+</file>
+
+<file path=ppt/slides/slide7.xml><?xml version="1.0" encoding="utf-8"?>
+<p:sld xmlns:a="http://schemas.openxmlformats.org/drawingml/2006/main" xmlns:r="http://schemas.openxmlformats.org/officeDocument/2006/relationships" xmlns:p="http://schemas.openxmlformats.org/presentationml/2006/main">
+  <p:cSld>
+    <p:spTree>
+      <p:nvGrpSpPr>
+        <p:cNvPr id="1" name=""/>
+        <p:cNvGrpSpPr/>
+        <p:nvPr/>
+      </p:nvGrpSpPr>
+      <p:grpSpPr>
+        <a:xfrm>
+          <a:off x="0" y="0"/>
+          <a:ext cx="0" cy="0"/>
+          <a:chOff x="0" y="0"/>
+          <a:chExt cx="0" cy="0"/>
+        </a:xfrm>
+      </p:grpSpPr>
+      <p:sp>
+        <p:nvSpPr>
+          <p:cNvPr id="2" name="Title 1"/>
+          <p:cNvSpPr>
+            <a:spLocks noGrp="1"/>
+          </p:cNvSpPr>
+          <p:nvPr>
+            <p:ph type="title"/>
+          </p:nvPr>
+        </p:nvSpPr>
+        <p:spPr/>
+        <p:txBody>
+          <a:bodyPr/>
+          <a:lstStyle/>
+          <a:p>
+            <a:r>
+              <a:rPr lang="en-US" dirty="0" err="1" smtClean="0"/>
+              <a:t>Llenado</a:t>
+            </a:r>
+            <a:r>
+              <a:rPr lang="en-US" dirty="0" smtClean="0"/>
+              <a:t> de </a:t>
+            </a:r>
+            <a:r>
+              <a:rPr lang="en-US" dirty="0" err="1" smtClean="0"/>
+              <a:t>faltantes</a:t>
+            </a:r>
+            <a:endParaRPr lang="es-CO" dirty="0"/>
+          </a:p>
+        </p:txBody>
+      </p:sp>
+      <p:sp>
+        <p:nvSpPr>
+          <p:cNvPr id="3" name="Text Placeholder 2"/>
+          <p:cNvSpPr>
+            <a:spLocks noGrp="1"/>
+          </p:cNvSpPr>
+          <p:nvPr>
+            <p:ph type="body" sz="quarter" idx="16"/>
+          </p:nvPr>
+        </p:nvSpPr>
+        <p:spPr/>
+        <p:txBody>
+          <a:bodyPr/>
+          <a:lstStyle/>
+          <a:p>
+            <a:endParaRPr lang="en-US" dirty="0" smtClean="0">
+              <a:solidFill>
+                <a:srgbClr val="C00000"/>
+              </a:solidFill>
+            </a:endParaRPr>
+          </a:p>
+          <a:p>
+            <a:endParaRPr lang="es-CO" dirty="0"/>
+          </a:p>
+        </p:txBody>
+      </p:sp>
+      <p:grpSp>
+        <p:nvGrpSpPr>
+          <p:cNvPr id="4" name="Group 3"/>
+          <p:cNvGrpSpPr/>
+          <p:nvPr/>
+        </p:nvGrpSpPr>
+        <p:grpSpPr>
+          <a:xfrm>
+            <a:off x="1366345" y="1097278"/>
+            <a:ext cx="2280745" cy="2711460"/>
+            <a:chOff x="5272474" y="4419288"/>
+            <a:chExt cx="1647309" cy="2047876"/>
+          </a:xfrm>
+        </p:grpSpPr>
+        <p:pic>
+          <p:nvPicPr>
+            <p:cNvPr id="5" name="Picture 4"/>
+            <p:cNvPicPr>
+              <a:picLocks noChangeAspect="1"/>
+            </p:cNvPicPr>
+            <p:nvPr/>
+          </p:nvPicPr>
+          <p:blipFill>
+            <a:blip r:embed="rId2"/>
+            <a:stretch>
+              <a:fillRect/>
+            </a:stretch>
+          </p:blipFill>
+          <p:spPr>
+            <a:xfrm>
+              <a:off x="5272474" y="4419289"/>
+              <a:ext cx="1581150" cy="2047875"/>
+            </a:xfrm>
+            <a:prstGeom prst="rect">
+              <a:avLst/>
+            </a:prstGeom>
+          </p:spPr>
+        </p:pic>
+        <p:sp>
+          <p:nvSpPr>
+            <p:cNvPr id="6" name="Oval 5"/>
+            <p:cNvSpPr/>
+            <p:nvPr/>
+          </p:nvSpPr>
+          <p:spPr>
+            <a:xfrm>
+              <a:off x="6268994" y="4419288"/>
+              <a:ext cx="650789" cy="1380149"/>
+            </a:xfrm>
+            <a:prstGeom prst="ellipse">
+              <a:avLst/>
+            </a:prstGeom>
+            <a:noFill/>
+            <a:ln>
+              <a:solidFill>
+                <a:srgbClr val="FF0000"/>
+              </a:solidFill>
+            </a:ln>
+          </p:spPr>
+          <p:style>
+            <a:lnRef idx="2">
+              <a:schemeClr val="accent2"/>
+            </a:lnRef>
+            <a:fillRef idx="1">
+              <a:schemeClr val="lt1"/>
+            </a:fillRef>
+            <a:effectRef idx="0">
+              <a:schemeClr val="accent2"/>
+            </a:effectRef>
+            <a:fontRef idx="minor">
+              <a:schemeClr val="dk1"/>
+            </a:fontRef>
+          </p:style>
+          <p:txBody>
+            <a:bodyPr rtlCol="0" anchor="ctr"/>
+            <a:lstStyle/>
+            <a:p>
+              <a:pPr algn="ctr"/>
+              <a:endParaRPr lang="es-CO"/>
+            </a:p>
+          </p:txBody>
+        </p:sp>
+      </p:grpSp>
+      <mc:AlternateContent xmlns:mc="http://schemas.openxmlformats.org/markup-compatibility/2006">
+        <mc:Choice xmlns:a14="http://schemas.microsoft.com/office/drawing/2010/main" Requires="a14">
+          <p:sp>
+            <p:nvSpPr>
+              <p:cNvPr id="7" name="TextBox 6"/>
+              <p:cNvSpPr txBox="1"/>
+              <p:nvPr/>
+            </p:nvSpPr>
+            <p:spPr>
+              <a:xfrm>
+                <a:off x="5150069" y="1031693"/>
+                <a:ext cx="6285186" cy="4401205"/>
+              </a:xfrm>
+              <a:prstGeom prst="rect">
+                <a:avLst/>
+              </a:prstGeom>
+              <a:noFill/>
+            </p:spPr>
+            <p:txBody>
+              <a:bodyPr wrap="square" rtlCol="0">
+                <a:spAutoFit/>
+              </a:bodyPr>
+              <a:lstStyle/>
+              <a:p>
+                <a:r>
+                  <a:rPr lang="en-US" sz="2400" u="sng" dirty="0" smtClean="0">
+                    <a:solidFill>
+                      <a:srgbClr val="C00000"/>
+                    </a:solidFill>
+                  </a:rPr>
+                  <a:t>Vector </a:t>
+                </a:r>
+                <a:r>
+                  <a:rPr lang="en-US" sz="2400" u="sng" dirty="0" err="1" smtClean="0">
+                    <a:solidFill>
+                      <a:srgbClr val="C00000"/>
+                    </a:solidFill>
+                  </a:rPr>
+                  <a:t>Autoregresivo</a:t>
+                </a:r>
+                <a:r>
+                  <a:rPr lang="en-US" sz="2400" u="sng" dirty="0" smtClean="0">
+                    <a:solidFill>
+                      <a:srgbClr val="C00000"/>
+                    </a:solidFill>
+                  </a:rPr>
+                  <a:t> </a:t>
+                </a:r>
+                <a:r>
+                  <a:rPr lang="en-US" sz="2400" u="sng" dirty="0" err="1" smtClean="0">
+                    <a:solidFill>
+                      <a:srgbClr val="C00000"/>
+                    </a:solidFill>
+                  </a:rPr>
+                  <a:t>Regresión</a:t>
+                </a:r>
+                <a:r>
+                  <a:rPr lang="en-US" sz="2400" u="sng" dirty="0" smtClean="0">
+                    <a:solidFill>
+                      <a:srgbClr val="C00000"/>
+                    </a:solidFill>
+                  </a:rPr>
+                  <a:t> (VAR)</a:t>
+                </a:r>
+              </a:p>
+              <a:p>
+                <a:endParaRPr lang="en-US" sz="2000" dirty="0" smtClean="0"/>
+              </a:p>
+              <a:p>
+                <a:r>
+                  <a:rPr lang="en-US" sz="2000" dirty="0"/>
+                  <a:t> </a:t>
+                </a:r>
+                <a:r>
+                  <a:rPr lang="en-US" sz="2000" dirty="0" smtClean="0"/>
+                  <a:t>   </a:t>
+                </a:r>
+                <a14:m>
+                  <m:oMath xmlns:m="http://schemas.openxmlformats.org/officeDocument/2006/math">
+                    <m:sSub>
+                      <m:sSubPr>
+                        <m:ctrlPr>
+                          <a:rPr lang="en-US" smtClean="0">
+                            <a:latin typeface="Cambria Math" panose="02040503050406030204" pitchFamily="18" charset="0"/>
+                          </a:rPr>
+                        </m:ctrlPr>
+                      </m:sSubPr>
+                      <m:e>
+                        <m:r>
+                          <m:rPr>
+                            <m:sty m:val="p"/>
+                          </m:rPr>
+                          <a:rPr lang="en-US" b="0" i="0" smtClean="0">
+                            <a:latin typeface="Cambria Math" panose="02040503050406030204" pitchFamily="18" charset="0"/>
+                          </a:rPr>
+                          <m:t>x</m:t>
+                        </m:r>
+                      </m:e>
+                      <m:sub>
+                        <m:r>
+                          <m:rPr>
+                            <m:sty m:val="p"/>
+                          </m:rPr>
+                          <a:rPr lang="en-US" b="0" i="0" smtClean="0">
+                            <a:latin typeface="Cambria Math" panose="02040503050406030204" pitchFamily="18" charset="0"/>
+                          </a:rPr>
+                          <m:t>t</m:t>
+                        </m:r>
+                      </m:sub>
+                    </m:sSub>
+                    <m:r>
+                      <a:rPr lang="en-US" b="0" i="0" smtClean="0">
+                        <a:latin typeface="Cambria Math" panose="02040503050406030204" pitchFamily="18" charset="0"/>
+                      </a:rPr>
+                      <m:t>=</m:t>
+                    </m:r>
+                    <m:sSub>
+                      <m:sSubPr>
+                        <m:ctrlPr>
+                          <a:rPr lang="en-US" i="1">
+                            <a:latin typeface="Cambria Math" panose="02040503050406030204" pitchFamily="18" charset="0"/>
+                          </a:rPr>
+                        </m:ctrlPr>
+                      </m:sSubPr>
+                      <m:e>
+                        <m:r>
+                          <m:rPr>
+                            <m:sty m:val="p"/>
+                          </m:rPr>
+                          <a:rPr lang="en-US" b="0" i="0" smtClean="0">
+                            <a:latin typeface="Cambria Math" panose="02040503050406030204" pitchFamily="18" charset="0"/>
+                          </a:rPr>
+                          <m:t>A</m:t>
+                        </m:r>
+                      </m:e>
+                      <m:sub>
+                        <m:r>
+                          <a:rPr lang="en-US" b="0" i="0" smtClean="0">
+                            <a:latin typeface="Cambria Math" panose="02040503050406030204" pitchFamily="18" charset="0"/>
+                          </a:rPr>
+                          <m:t>1</m:t>
+                        </m:r>
+                      </m:sub>
+                    </m:sSub>
+                    <m:r>
+                      <a:rPr lang="en-US" i="1" smtClean="0">
+                        <a:latin typeface="Cambria Math" panose="02040503050406030204" pitchFamily="18" charset="0"/>
+                      </a:rPr>
+                      <m:t>·</m:t>
+                    </m:r>
+                    <m:sSub>
+                      <m:sSubPr>
+                        <m:ctrlPr>
+                          <a:rPr lang="en-US" i="1">
+                            <a:latin typeface="Cambria Math" panose="02040503050406030204" pitchFamily="18" charset="0"/>
+                          </a:rPr>
+                        </m:ctrlPr>
+                      </m:sSubPr>
+                      <m:e>
+                        <m:r>
+                          <m:rPr>
+                            <m:sty m:val="p"/>
+                          </m:rPr>
+                          <a:rPr lang="en-US">
+                            <a:latin typeface="Cambria Math" panose="02040503050406030204" pitchFamily="18" charset="0"/>
+                          </a:rPr>
+                          <m:t>x</m:t>
+                        </m:r>
+                      </m:e>
+                      <m:sub>
+                        <m:r>
+                          <m:rPr>
+                            <m:sty m:val="p"/>
+                          </m:rPr>
+                          <a:rPr lang="en-US">
+                            <a:latin typeface="Cambria Math" panose="02040503050406030204" pitchFamily="18" charset="0"/>
+                          </a:rPr>
+                          <m:t>t</m:t>
+                        </m:r>
+                        <m:r>
+                          <a:rPr lang="en-US" b="0" i="0" smtClean="0">
+                            <a:latin typeface="Cambria Math" panose="02040503050406030204" pitchFamily="18" charset="0"/>
+                          </a:rPr>
+                          <m:t>−1</m:t>
+                        </m:r>
+                      </m:sub>
+                    </m:sSub>
+                    <m:r>
+                      <a:rPr lang="en-US" b="0" i="1" smtClean="0">
+                        <a:latin typeface="Cambria Math" panose="02040503050406030204" pitchFamily="18" charset="0"/>
+                      </a:rPr>
+                      <m:t>+</m:t>
+                    </m:r>
+                    <m:sSub>
+                      <m:sSubPr>
+                        <m:ctrlPr>
+                          <a:rPr lang="en-US" i="1">
+                            <a:latin typeface="Cambria Math" panose="02040503050406030204" pitchFamily="18" charset="0"/>
+                          </a:rPr>
+                        </m:ctrlPr>
+                      </m:sSubPr>
+                      <m:e>
+                        <m:r>
+                          <a:rPr lang="en-US" b="0" i="0" smtClean="0">
+                            <a:latin typeface="Cambria Math" panose="02040503050406030204" pitchFamily="18" charset="0"/>
+                          </a:rPr>
+                          <m:t>…..+</m:t>
+                        </m:r>
+                        <m:r>
+                          <m:rPr>
+                            <m:sty m:val="p"/>
+                          </m:rPr>
+                          <a:rPr lang="en-US">
+                            <a:latin typeface="Cambria Math" panose="02040503050406030204" pitchFamily="18" charset="0"/>
+                          </a:rPr>
+                          <m:t>A</m:t>
+                        </m:r>
+                      </m:e>
+                      <m:sub>
+                        <m:r>
+                          <m:rPr>
+                            <m:sty m:val="p"/>
+                          </m:rPr>
+                          <a:rPr lang="en-US" b="0" i="0" smtClean="0">
+                            <a:latin typeface="Cambria Math" panose="02040503050406030204" pitchFamily="18" charset="0"/>
+                          </a:rPr>
+                          <m:t>p</m:t>
+                        </m:r>
+                      </m:sub>
+                    </m:sSub>
+                    <m:r>
+                      <a:rPr lang="en-US" i="1">
+                        <a:latin typeface="Cambria Math" panose="02040503050406030204" pitchFamily="18" charset="0"/>
+                      </a:rPr>
+                      <m:t>·</m:t>
+                    </m:r>
+                    <m:sSub>
+                      <m:sSubPr>
+                        <m:ctrlPr>
+                          <a:rPr lang="en-US" i="1">
+                            <a:latin typeface="Cambria Math" panose="02040503050406030204" pitchFamily="18" charset="0"/>
+                          </a:rPr>
+                        </m:ctrlPr>
+                      </m:sSubPr>
+                      <m:e>
+                        <m:r>
+                          <m:rPr>
+                            <m:sty m:val="p"/>
+                          </m:rPr>
+                          <a:rPr lang="en-US">
+                            <a:latin typeface="Cambria Math" panose="02040503050406030204" pitchFamily="18" charset="0"/>
+                          </a:rPr>
+                          <m:t>x</m:t>
+                        </m:r>
+                      </m:e>
+                      <m:sub>
+                        <m:r>
+                          <m:rPr>
+                            <m:sty m:val="p"/>
+                          </m:rPr>
+                          <a:rPr lang="en-US">
+                            <a:latin typeface="Cambria Math" panose="02040503050406030204" pitchFamily="18" charset="0"/>
+                          </a:rPr>
+                          <m:t>t</m:t>
+                        </m:r>
+                        <m:r>
+                          <a:rPr lang="en-US">
+                            <a:latin typeface="Cambria Math" panose="02040503050406030204" pitchFamily="18" charset="0"/>
+                          </a:rPr>
+                          <m:t>−</m:t>
+                        </m:r>
+                        <m:r>
+                          <a:rPr lang="en-US" b="0" i="1" smtClean="0">
+                            <a:latin typeface="Cambria Math" panose="02040503050406030204" pitchFamily="18" charset="0"/>
+                          </a:rPr>
+                          <m:t>𝑝</m:t>
+                        </m:r>
+                      </m:sub>
+                    </m:sSub>
+                    <m:r>
+                      <a:rPr lang="en-US" b="0" i="1" smtClean="0">
+                        <a:latin typeface="Cambria Math" panose="02040503050406030204" pitchFamily="18" charset="0"/>
+                      </a:rPr>
+                      <m:t>+</m:t>
+                    </m:r>
+                    <m:sSub>
+                      <m:sSubPr>
+                        <m:ctrlPr>
+                          <a:rPr lang="en-US" i="1">
+                            <a:latin typeface="Cambria Math" panose="02040503050406030204" pitchFamily="18" charset="0"/>
+                          </a:rPr>
+                        </m:ctrlPr>
+                      </m:sSubPr>
+                      <m:e>
+                        <m:r>
+                          <m:rPr>
+                            <m:sty m:val="p"/>
+                          </m:rPr>
+                          <a:rPr lang="en-US" b="0" i="0" smtClean="0">
+                            <a:latin typeface="Cambria Math" panose="02040503050406030204" pitchFamily="18" charset="0"/>
+                          </a:rPr>
+                          <m:t>u</m:t>
+                        </m:r>
+                      </m:e>
+                      <m:sub>
+                        <m:r>
+                          <m:rPr>
+                            <m:sty m:val="p"/>
+                          </m:rPr>
+                          <a:rPr lang="en-US">
+                            <a:latin typeface="Cambria Math" panose="02040503050406030204" pitchFamily="18" charset="0"/>
+                          </a:rPr>
+                          <m:t>t</m:t>
+                        </m:r>
+                      </m:sub>
+                    </m:sSub>
+                  </m:oMath>
+                </a14:m>
+                <a:endParaRPr lang="en-US" dirty="0"/>
+              </a:p>
+              <a:p>
+                <a:endParaRPr lang="en-US" dirty="0" smtClean="0"/>
+              </a:p>
+              <a:p>
+                <a:pPr/>
+                <a14:m>
+                  <m:oMath xmlns:m="http://schemas.openxmlformats.org/officeDocument/2006/math">
+                    <m:sSub>
+                      <m:sSubPr>
+                        <m:ctrlPr>
+                          <a:rPr lang="en-US" i="1">
+                            <a:latin typeface="Cambria Math" panose="02040503050406030204" pitchFamily="18" charset="0"/>
+                          </a:rPr>
+                        </m:ctrlPr>
+                      </m:sSubPr>
+                      <m:e>
+                        <m:r>
+                          <a:rPr lang="en-US" b="0" i="0" smtClean="0">
+                            <a:latin typeface="Cambria Math" panose="02040503050406030204" pitchFamily="18" charset="0"/>
+                          </a:rPr>
+                          <m:t>     </m:t>
+                        </m:r>
+                        <m:r>
+                          <m:rPr>
+                            <m:sty m:val="p"/>
+                          </m:rPr>
+                          <a:rPr lang="en-US">
+                            <a:latin typeface="Cambria Math" panose="02040503050406030204" pitchFamily="18" charset="0"/>
+                          </a:rPr>
+                          <m:t>x</m:t>
+                        </m:r>
+                      </m:e>
+                      <m:sub>
+                        <m:r>
+                          <m:rPr>
+                            <m:sty m:val="p"/>
+                          </m:rPr>
+                          <a:rPr lang="en-US">
+                            <a:latin typeface="Cambria Math" panose="02040503050406030204" pitchFamily="18" charset="0"/>
+                          </a:rPr>
+                          <m:t>t</m:t>
+                        </m:r>
+                      </m:sub>
+                    </m:sSub>
+                  </m:oMath>
+                </a14:m>
+                <a:r>
+                  <a:rPr lang="en-US" dirty="0" smtClean="0"/>
+                  <a:t> =  Vector de dimension K, </a:t>
+                </a:r>
+                <a:r>
+                  <a:rPr lang="en-US" dirty="0" err="1" smtClean="0"/>
+                  <a:t>conjunto</a:t>
+                </a:r>
+                <a:r>
+                  <a:rPr lang="en-US" dirty="0" smtClean="0"/>
+                  <a:t> de variables de </a:t>
+                </a:r>
+                <a:r>
+                  <a:rPr lang="en-US" dirty="0" err="1" smtClean="0"/>
+                  <a:t>clima</a:t>
+                </a:r>
+                <a:r>
+                  <a:rPr lang="en-US" dirty="0" smtClean="0"/>
+                  <a:t>.</a:t>
+                </a:r>
+              </a:p>
+              <a:p>
+                <a:pPr/>
+                <a:r>
+                  <a:rPr lang="en-US" dirty="0"/>
+                  <a:t> </a:t>
+                </a:r>
+                <a:r>
+                  <a:rPr lang="en-US" dirty="0" smtClean="0"/>
+                  <a:t>   </a:t>
+                </a:r>
+                <a14:m>
+                  <m:oMath xmlns:m="http://schemas.openxmlformats.org/officeDocument/2006/math">
+                    <m:sSub>
+                      <m:sSubPr>
+                        <m:ctrlPr>
+                          <a:rPr lang="en-US">
+                            <a:latin typeface="Cambria Math" panose="02040503050406030204" pitchFamily="18" charset="0"/>
+                          </a:rPr>
+                        </m:ctrlPr>
+                      </m:sSubPr>
+                      <m:e>
+                        <m:r>
+                          <a:rPr lang="en-US" i="0">
+                            <a:latin typeface="Cambria Math" panose="02040503050406030204" pitchFamily="18" charset="0"/>
+                          </a:rPr>
+                          <m:t> </m:t>
+                        </m:r>
+                        <m:r>
+                          <m:rPr>
+                            <m:sty m:val="p"/>
+                          </m:rPr>
+                          <a:rPr lang="en-US" b="0" i="0" smtClean="0">
+                            <a:latin typeface="Cambria Math" panose="02040503050406030204" pitchFamily="18" charset="0"/>
+                          </a:rPr>
+                          <m:t>A</m:t>
+                        </m:r>
+                      </m:e>
+                      <m:sub>
+                        <m:r>
+                          <m:rPr>
+                            <m:sty m:val="p"/>
+                          </m:rPr>
+                          <a:rPr lang="en-US" b="0" i="0" smtClean="0">
+                            <a:latin typeface="Cambria Math" panose="02040503050406030204" pitchFamily="18" charset="0"/>
+                          </a:rPr>
+                          <m:t>i</m:t>
+                        </m:r>
+                      </m:sub>
+                    </m:sSub>
+                  </m:oMath>
+                </a14:m>
+                <a:r>
+                  <a:rPr lang="en-US" dirty="0" smtClean="0"/>
+                  <a:t> =  </a:t>
+                </a:r>
+                <a:r>
+                  <a:rPr lang="en-US" dirty="0" err="1" smtClean="0"/>
+                  <a:t>Es</a:t>
+                </a:r>
+                <a:r>
+                  <a:rPr lang="en-US" dirty="0" smtClean="0"/>
+                  <a:t> el </a:t>
+                </a:r>
+                <a:r>
+                  <a:rPr lang="en-US" dirty="0" err="1" smtClean="0"/>
+                  <a:t>coeficiente</a:t>
+                </a:r>
+                <a:r>
+                  <a:rPr lang="en-US" dirty="0" smtClean="0"/>
+                  <a:t> de la </a:t>
+                </a:r>
+                <a:r>
+                  <a:rPr lang="en-US" dirty="0" err="1" smtClean="0"/>
+                  <a:t>matriz</a:t>
+                </a:r>
+                <a:r>
+                  <a:rPr lang="en-US" dirty="0" smtClean="0"/>
+                  <a:t> K x K</a:t>
+                </a:r>
+              </a:p>
+              <a:p>
+                <a:pPr/>
+                <a:r>
+                  <a:rPr lang="en-US" dirty="0"/>
+                  <a:t> </a:t>
+                </a:r>
+                <a:r>
+                  <a:rPr lang="en-US" dirty="0" smtClean="0"/>
+                  <a:t>    </a:t>
+                </a:r>
+                <a14:m>
+                  <m:oMath xmlns:m="http://schemas.openxmlformats.org/officeDocument/2006/math">
+                    <m:sSub>
+                      <m:sSubPr>
+                        <m:ctrlPr>
+                          <a:rPr lang="en-US" i="1">
+                            <a:latin typeface="Cambria Math" panose="02040503050406030204" pitchFamily="18" charset="0"/>
+                          </a:rPr>
+                        </m:ctrlPr>
+                      </m:sSubPr>
+                      <m:e>
+                        <m:r>
+                          <m:rPr>
+                            <m:sty m:val="p"/>
+                          </m:rPr>
+                          <a:rPr lang="en-US">
+                            <a:latin typeface="Cambria Math" panose="02040503050406030204" pitchFamily="18" charset="0"/>
+                          </a:rPr>
+                          <m:t>u</m:t>
+                        </m:r>
+                      </m:e>
+                      <m:sub>
+                        <m:r>
+                          <m:rPr>
+                            <m:sty m:val="p"/>
+                          </m:rPr>
+                          <a:rPr lang="en-US">
+                            <a:latin typeface="Cambria Math" panose="02040503050406030204" pitchFamily="18" charset="0"/>
+                          </a:rPr>
+                          <m:t>t</m:t>
+                        </m:r>
+                      </m:sub>
+                    </m:sSub>
+                  </m:oMath>
+                </a14:m>
+                <a:r>
+                  <a:rPr lang="en-US" dirty="0" smtClean="0"/>
+                  <a:t> =  </a:t>
+                </a:r>
+                <a:r>
+                  <a:rPr lang="en-US" dirty="0" err="1" smtClean="0"/>
+                  <a:t>Es</a:t>
+                </a:r>
+                <a:r>
+                  <a:rPr lang="en-US" dirty="0" smtClean="0"/>
+                  <a:t> un </a:t>
+                </a:r>
+                <a:r>
+                  <a:rPr lang="en-US" dirty="0" err="1" smtClean="0"/>
+                  <a:t>proceso</a:t>
+                </a:r>
+                <a:r>
+                  <a:rPr lang="en-US" dirty="0" smtClean="0"/>
+                  <a:t> </a:t>
+                </a:r>
+                <a:r>
+                  <a:rPr lang="en-US" dirty="0" err="1" smtClean="0"/>
+                  <a:t>estocastico</a:t>
+                </a:r>
+                <a:r>
+                  <a:rPr lang="en-US" dirty="0" smtClean="0"/>
+                  <a:t> de dimension K</a:t>
+                </a:r>
+              </a:p>
+              <a:p>
+                <a:pPr/>
+                <a:r>
+                  <a:rPr lang="en-US" dirty="0"/>
+                  <a:t> </a:t>
+                </a:r>
+                <a:endParaRPr lang="en-US" dirty="0" smtClean="0"/>
+              </a:p>
+              <a:p>
+                <a:pPr/>
+                <a:endParaRPr lang="en-US" dirty="0"/>
+              </a:p>
+              <a:p>
+                <a:pPr/>
+                <a:endParaRPr lang="en-US" dirty="0" smtClean="0"/>
+              </a:p>
+              <a:p>
+                <a:pPr/>
+                <a:endParaRPr lang="en-US" dirty="0"/>
+              </a:p>
+              <a:p>
+                <a:endParaRPr lang="en-US" dirty="0" smtClean="0"/>
+              </a:p>
+              <a:p>
+                <a:endParaRPr lang="en-US" dirty="0"/>
+              </a:p>
+              <a:p>
+                <a:endParaRPr lang="en-US" dirty="0" smtClean="0"/>
+              </a:p>
+              <a:p>
+                <a:endParaRPr lang="es-CO" dirty="0"/>
+              </a:p>
+            </p:txBody>
+          </p:sp>
+        </mc:Choice>
+        <mc:Fallback>
+          <p:sp>
+            <p:nvSpPr>
+              <p:cNvPr id="7" name="TextBox 6"/>
+              <p:cNvSpPr txBox="1">
+                <a:spLocks noRot="1" noChangeAspect="1" noMove="1" noResize="1" noEditPoints="1" noAdjustHandles="1" noChangeArrowheads="1" noChangeShapeType="1" noTextEdit="1"/>
+              </p:cNvSpPr>
+              <p:nvPr/>
+            </p:nvSpPr>
+            <p:spPr>
+              <a:xfrm>
+                <a:off x="5150069" y="1031693"/>
+                <a:ext cx="6285186" cy="4401205"/>
+              </a:xfrm>
+              <a:prstGeom prst="rect">
+                <a:avLst/>
+              </a:prstGeom>
+              <a:blipFill rotWithShape="0">
+                <a:blip r:embed="rId3"/>
+                <a:stretch>
+                  <a:fillRect l="-1552" t="-1108"/>
+                </a:stretch>
+              </a:blipFill>
+            </p:spPr>
+            <p:txBody>
+              <a:bodyPr/>
+              <a:lstStyle/>
+              <a:p>
+                <a:r>
+                  <a:rPr lang="es-CO">
+                    <a:noFill/>
+                  </a:rPr>
+                  <a:t> </a:t>
+                </a:r>
+              </a:p>
+            </p:txBody>
+          </p:sp>
+        </mc:Fallback>
+      </mc:AlternateContent>
+    </p:spTree>
+    <p:extLst>
+      <p:ext uri="{BB962C8B-B14F-4D97-AF65-F5344CB8AC3E}">
+        <p14:creationId xmlns:p14="http://schemas.microsoft.com/office/powerpoint/2010/main" val="1864919565"/>
+      </p:ext>
+    </p:extLst>
+  </p:cSld>
+  <p:clrMapOvr>
+    <a:masterClrMapping/>
+  </p:clrMapOvr>
+  <p:timing>
+    <p:tnLst>
+      <p:par>
+        <p:cTn id="1" dur="indefinite" restart="never" nodeType="tmRoot">
+          <p:childTnLst>
+            <p:seq concurrent="1" nextAc="seek">
+              <p:cTn id="2" dur="indefinite" nodeType="mainSeq">
+                <p:childTnLst>
+                  <p:par>
+                    <p:cTn id="3" fill="hold">
+                      <p:stCondLst>
+                        <p:cond delay="indefinite"/>
+                      </p:stCondLst>
+                      <p:childTnLst>
+                        <p:par>
+                          <p:cTn id="4" fill="hold">
+                            <p:stCondLst>
+                              <p:cond delay="0"/>
+                            </p:stCondLst>
+                            <p:childTnLst>
+                              <p:par>
+                                <p:cTn id="5" presetID="22" presetClass="entr" presetSubtype="2" fill="hold" nodeType="clickEffect">
+                                  <p:stCondLst>
+                                    <p:cond delay="0"/>
+                                  </p:stCondLst>
+                                  <p:childTnLst>
+                                    <p:set>
+                                      <p:cBhvr>
+                                        <p:cTn id="6" dur="1" fill="hold">
+                                          <p:stCondLst>
+                                            <p:cond delay="0"/>
+                                          </p:stCondLst>
+                                        </p:cTn>
+                                        <p:tgtEl>
+                                          <p:spTgt spid="4"/>
+                                        </p:tgtEl>
+                                        <p:attrNameLst>
+                                          <p:attrName>style.visibility</p:attrName>
+                                        </p:attrNameLst>
+                                      </p:cBhvr>
+                                      <p:to>
+                                        <p:strVal val="visible"/>
+                                      </p:to>
+                                    </p:set>
+                                    <p:animEffect transition="in" filter="wipe(right)">
+                                      <p:cBhvr>
+                                        <p:cTn id="7" dur="500"/>
+                                        <p:tgtEl>
+                                          <p:spTgt spid="4"/>
+                                        </p:tgtEl>
+                                      </p:cBhvr>
+                                    </p:animEffect>
+                                  </p:childTnLst>
+                                </p:cTn>
+                              </p:par>
+                            </p:childTnLst>
+                          </p:cTn>
+                        </p:par>
+                      </p:childTnLst>
+                    </p:cTn>
+                  </p:par>
+                </p:childTnLst>
+              </p:cTn>
+              <p:prevCondLst>
+                <p:cond evt="onPrev" delay="0">
+                  <p:tgtEl>
+                    <p:sldTgt/>
+                  </p:tgtEl>
+                </p:cond>
+              </p:prevCondLst>
+              <p:nextCondLst>
+                <p:cond evt="onNext" delay="0">
+                  <p:tgtEl>
+                    <p:sldTgt/>
+                  </p:tgtEl>
+                </p:cond>
+              </p:nextCondLst>
+            </p:seq>
+          </p:childTnLst>
+        </p:cTn>
+      </p:par>
+    </p:tnLst>
+  </p:timing>
+</p:sld>
+</file>
+
+<file path=ppt/slides/slide8.xml><?xml version="1.0" encoding="utf-8"?>
+<p:sld xmlns:a="http://schemas.openxmlformats.org/drawingml/2006/main" xmlns:r="http://schemas.openxmlformats.org/officeDocument/2006/relationships" xmlns:p="http://schemas.openxmlformats.org/presentationml/2006/main">
+  <p:cSld>
+    <p:spTree>
+      <p:nvGrpSpPr>
+        <p:cNvPr id="1" name=""/>
+        <p:cNvGrpSpPr/>
+        <p:nvPr/>
+      </p:nvGrpSpPr>
+      <p:grpSpPr>
+        <a:xfrm>
+          <a:off x="0" y="0"/>
+          <a:ext cx="0" cy="0"/>
+          <a:chOff x="0" y="0"/>
+          <a:chExt cx="0" cy="0"/>
+        </a:xfrm>
+      </p:grpSpPr>
+      <p:sp>
+        <p:nvSpPr>
+          <p:cNvPr id="2" name="Title 1"/>
+          <p:cNvSpPr>
+            <a:spLocks noGrp="1"/>
+          </p:cNvSpPr>
+          <p:nvPr>
+            <p:ph type="title"/>
+          </p:nvPr>
+        </p:nvSpPr>
+        <p:spPr/>
+        <p:txBody>
+          <a:bodyPr/>
+          <a:lstStyle/>
+          <a:p>
+            <a:r>
+              <a:rPr lang="en-US" dirty="0" err="1"/>
+              <a:t>Ejemplo</a:t>
+            </a:r>
+            <a:r>
+              <a:rPr lang="en-US" dirty="0"/>
+              <a:t> de </a:t>
+            </a:r>
+            <a:r>
+              <a:rPr lang="en-US" dirty="0" err="1"/>
+              <a:t>Rmwagen</a:t>
+            </a:r>
+            <a:r>
+              <a:rPr lang="en-US" dirty="0"/>
+              <a:t> </a:t>
+            </a:r>
+            <a:endParaRPr lang="es-CO" dirty="0"/>
+          </a:p>
+        </p:txBody>
+      </p:sp>
+      <p:sp>
+        <p:nvSpPr>
+          <p:cNvPr id="3" name="Text Placeholder 2"/>
+          <p:cNvSpPr>
+            <a:spLocks noGrp="1"/>
+          </p:cNvSpPr>
+          <p:nvPr>
+            <p:ph type="body" sz="quarter" idx="16"/>
+          </p:nvPr>
+        </p:nvSpPr>
+        <p:spPr/>
+        <p:txBody>
+          <a:bodyPr/>
+          <a:lstStyle/>
+          <a:p>
+            <a:endParaRPr lang="es-CO" dirty="0"/>
+          </a:p>
+        </p:txBody>
+      </p:sp>
+    </p:spTree>
+    <p:extLst>
+      <p:ext uri="{BB962C8B-B14F-4D97-AF65-F5344CB8AC3E}">
+        <p14:creationId xmlns:p14="http://schemas.microsoft.com/office/powerpoint/2010/main" val="3216446755"/>
+      </p:ext>
+    </p:extLst>
+  </p:cSld>
+  <p:clrMapOvr>
+    <a:masterClrMapping/>
+  </p:clrMapOvr>
+</p:sld>
+</file>
+
+<file path=ppt/slides/slide9.xml><?xml version="1.0" encoding="utf-8"?>
+<p:sld xmlns:a="http://schemas.openxmlformats.org/drawingml/2006/main" xmlns:r="http://schemas.openxmlformats.org/officeDocument/2006/relationships" xmlns:p="http://schemas.openxmlformats.org/presentationml/2006/main">
+  <p:cSld>
+    <p:spTree>
+      <p:nvGrpSpPr>
+        <p:cNvPr id="1" name=""/>
+        <p:cNvGrpSpPr/>
+        <p:nvPr/>
+      </p:nvGrpSpPr>
+      <p:grpSpPr>
+        <a:xfrm>
+          <a:off x="0" y="0"/>
+          <a:ext cx="0" cy="0"/>
+          <a:chOff x="0" y="0"/>
+          <a:chExt cx="0" cy="0"/>
+        </a:xfrm>
+      </p:grpSpPr>
+      <p:sp>
+        <p:nvSpPr>
+          <p:cNvPr id="2" name="Title 1">
+            <a:extLst>
+              <a:ext uri="{FF2B5EF4-FFF2-40B4-BE49-F238E27FC236}">
+                <a16:creationId xmlns="" xmlns:a16="http://schemas.microsoft.com/office/drawing/2014/main" id="{7D17556C-65DC-4724-A2AE-AEAA870CF959}"/>
+              </a:ext>
+            </a:extLst>
+          </p:cNvPr>
+          <p:cNvSpPr>
+            <a:spLocks noGrp="1"/>
+          </p:cNvSpPr>
+          <p:nvPr>
+            <p:ph type="ctrTitle"/>
+          </p:nvPr>
+        </p:nvSpPr>
+        <p:spPr>
+          <a:xfrm>
+            <a:off x="1431235" y="366989"/>
+            <a:ext cx="9144000" cy="838959"/>
+          </a:xfrm>
+        </p:spPr>
+        <p:txBody>
+          <a:bodyPr>
+            <a:normAutofit/>
+          </a:bodyPr>
+          <a:lstStyle/>
+          <a:p>
+            <a:r>
+              <a:rPr lang="es-CO" dirty="0"/>
+              <a:t>Pasos para el ejercicio</a:t>
+            </a:r>
+          </a:p>
+        </p:txBody>
+      </p:sp>
+      <p:sp>
+        <p:nvSpPr>
+          <p:cNvPr id="3" name="Subtitle 2">
+            <a:extLst>
+              <a:ext uri="{FF2B5EF4-FFF2-40B4-BE49-F238E27FC236}">
+                <a16:creationId xmlns="" xmlns:a16="http://schemas.microsoft.com/office/drawing/2014/main" id="{DBC72A5E-AB09-46E2-A15A-579543025072}"/>
+              </a:ext>
+            </a:extLst>
+          </p:cNvPr>
+          <p:cNvSpPr>
+            <a:spLocks noGrp="1"/>
+          </p:cNvSpPr>
+          <p:nvPr>
+            <p:ph type="subTitle" idx="4294967295"/>
+          </p:nvPr>
+        </p:nvSpPr>
+        <p:spPr>
+          <a:xfrm>
+            <a:off x="3719579" y="1364974"/>
+            <a:ext cx="4567311" cy="4784034"/>
+          </a:xfrm>
+          <a:prstGeom prst="rect">
+            <a:avLst/>
+          </a:prstGeom>
+        </p:spPr>
+        <p:txBody>
+          <a:bodyPr/>
+          <a:lstStyle/>
+          <a:p>
+            <a:pPr marL="457200" indent="-457200" algn="l">
+              <a:buFont typeface="+mj-lt"/>
+              <a:buAutoNum type="arabicPeriod"/>
+            </a:pPr>
+            <a:r>
+              <a:rPr lang="es-CO" dirty="0"/>
+              <a:t>Abrir el programa R Studio.</a:t>
+            </a:r>
+          </a:p>
+          <a:p>
+            <a:pPr marL="457200" indent="-457200">
+              <a:buFont typeface="+mj-lt"/>
+              <a:buAutoNum type="arabicPeriod"/>
+            </a:pPr>
+            <a:endParaRPr lang="es-CO" dirty="0"/>
+          </a:p>
+          <a:p>
+            <a:pPr algn="l"/>
+            <a:endParaRPr lang="es-CO" dirty="0"/>
+          </a:p>
+          <a:p>
+            <a:pPr algn="l"/>
+            <a:endParaRPr lang="es-CO" dirty="0"/>
+          </a:p>
+          <a:p>
+            <a:pPr marL="457200" indent="-457200" algn="l">
+              <a:buAutoNum type="arabicPeriod" startAt="2"/>
+            </a:pPr>
+            <a:r>
+              <a:rPr lang="es-CO" dirty="0"/>
+              <a:t>Crear un nuevo proyecto.</a:t>
+            </a:r>
+          </a:p>
+          <a:p>
+            <a:pPr marL="457200" indent="-457200" algn="l">
+              <a:buAutoNum type="arabicPeriod" startAt="2"/>
+            </a:pPr>
+            <a:endParaRPr lang="es-CO" dirty="0"/>
+          </a:p>
+          <a:p>
+            <a:pPr algn="l"/>
+            <a:endParaRPr lang="es-CO" dirty="0"/>
+          </a:p>
+        </p:txBody>
+      </p:sp>
+      <p:pic>
+        <p:nvPicPr>
+          <p:cNvPr id="4" name="Picture 3">
+            <a:extLst>
+              <a:ext uri="{FF2B5EF4-FFF2-40B4-BE49-F238E27FC236}">
+                <a16:creationId xmlns="" xmlns:a16="http://schemas.microsoft.com/office/drawing/2014/main" id="{49672A46-ABF1-498E-8FE7-E026386F1A6B}"/>
+              </a:ext>
+            </a:extLst>
+          </p:cNvPr>
+          <p:cNvPicPr>
+            <a:picLocks noChangeAspect="1"/>
+          </p:cNvPicPr>
+          <p:nvPr/>
+        </p:nvPicPr>
+        <p:blipFill>
+          <a:blip r:embed="rId2"/>
+          <a:stretch>
+            <a:fillRect/>
+          </a:stretch>
+        </p:blipFill>
+        <p:spPr>
+          <a:xfrm>
+            <a:off x="4927969" y="1851431"/>
+            <a:ext cx="1321558" cy="1160950"/>
+          </a:xfrm>
+          <a:prstGeom prst="rect">
+            <a:avLst/>
+          </a:prstGeom>
+        </p:spPr>
+      </p:pic>
+      <p:pic>
+        <p:nvPicPr>
+          <p:cNvPr id="5" name="Picture 4">
+            <a:extLst>
+              <a:ext uri="{FF2B5EF4-FFF2-40B4-BE49-F238E27FC236}">
+                <a16:creationId xmlns="" xmlns:a16="http://schemas.microsoft.com/office/drawing/2014/main" id="{7A15E0CD-9551-4D04-8B5E-AF2A9D59C874}"/>
+              </a:ext>
+            </a:extLst>
+          </p:cNvPr>
+          <p:cNvPicPr>
+            <a:picLocks noChangeAspect="1"/>
+          </p:cNvPicPr>
+          <p:nvPr/>
+        </p:nvPicPr>
+        <p:blipFill>
+          <a:blip r:embed="rId3"/>
+          <a:stretch>
+            <a:fillRect/>
+          </a:stretch>
+        </p:blipFill>
+        <p:spPr>
+          <a:xfrm>
+            <a:off x="4282073" y="3976821"/>
+            <a:ext cx="2943225" cy="1590675"/>
+          </a:xfrm>
+          <a:prstGeom prst="rect">
+            <a:avLst/>
+          </a:prstGeom>
+        </p:spPr>
+      </p:pic>
+    </p:spTree>
+    <p:extLst>
+      <p:ext uri="{BB962C8B-B14F-4D97-AF65-F5344CB8AC3E}">
+        <p14:creationId xmlns:p14="http://schemas.microsoft.com/office/powerpoint/2010/main" val="2102976539"/>
+      </p:ext>
+    </p:extLst>
+  </p:cSld>
+  <p:clrMapOvr>
+    <a:masterClrMapping/>
+  </p:clrMapOvr>
 </p:sld>
 </file>
 
@@ -6538,9 +9913,12 @@
 </file>
 
 <file path=customXml/item1.xml><?xml version="1.0" encoding="utf-8"?>
-<p:properties xmlns:p="http://schemas.microsoft.com/office/2006/metadata/properties" xmlns:xsi="http://www.w3.org/2001/XMLSchema-instance" xmlns:pc="http://schemas.microsoft.com/office/infopath/2007/PartnerControls">
-  <documentManagement/>
-</p:properties>
+<?mso-contentType ?>
+<FormTemplates xmlns="http://schemas.microsoft.com/sharepoint/v3/contenttype/forms">
+  <Display>DocumentLibraryForm</Display>
+  <Edit>DocumentLibraryForm</Edit>
+  <New>DocumentLibraryForm</New>
+</FormTemplates>
 </file>
 
 <file path=customXml/item2.xml><?xml version="1.0" encoding="utf-8"?>
@@ -6684,26 +10062,15 @@
 </file>
 
 <file path=customXml/item3.xml><?xml version="1.0" encoding="utf-8"?>
-<?mso-contentType ?>
-<FormTemplates xmlns="http://schemas.microsoft.com/sharepoint/v3/contenttype/forms">
-  <Display>DocumentLibraryForm</Display>
-  <Edit>DocumentLibraryForm</Edit>
-  <New>DocumentLibraryForm</New>
-</FormTemplates>
+<p:properties xmlns:p="http://schemas.microsoft.com/office/2006/metadata/properties" xmlns:xsi="http://www.w3.org/2001/XMLSchema-instance" xmlns:pc="http://schemas.microsoft.com/office/infopath/2007/PartnerControls">
+  <documentManagement/>
+</p:properties>
 </file>
 
 <file path=customXml/itemProps1.xml><?xml version="1.0" encoding="utf-8"?>
-<ds:datastoreItem xmlns:ds="http://schemas.openxmlformats.org/officeDocument/2006/customXml" ds:itemID="{31326E29-B62B-4780-9A15-03CA2FAE3FB5}">
+<ds:datastoreItem xmlns:ds="http://schemas.openxmlformats.org/officeDocument/2006/customXml" ds:itemID="{EEBA3B76-3FFC-4548-9519-2B19BE5B9D9E}">
   <ds:schemaRefs>
-    <ds:schemaRef ds:uri="http://purl.org/dc/terms/"/>
-    <ds:schemaRef ds:uri="http://schemas.microsoft.com/office/infopath/2007/PartnerControls"/>
-    <ds:schemaRef ds:uri="http://schemas.microsoft.com/office/2006/documentManagement/types"/>
-    <ds:schemaRef ds:uri="http://purl.org/dc/elements/1.1/"/>
-    <ds:schemaRef ds:uri="http://purl.org/dc/dcmitype/"/>
-    <ds:schemaRef ds:uri="http://www.w3.org/XML/1998/namespace"/>
-    <ds:schemaRef ds:uri="http://schemas.microsoft.com/office/2006/metadata/properties"/>
-    <ds:schemaRef ds:uri="http://schemas.openxmlformats.org/package/2006/metadata/core-properties"/>
-    <ds:schemaRef ds:uri="e8d75344-758f-4099-8b96-254d9b2933f5"/>
+    <ds:schemaRef ds:uri="http://schemas.microsoft.com/sharepoint/v3/contenttype/forms"/>
   </ds:schemaRefs>
 </ds:datastoreItem>
 </file>
@@ -6727,9 +10094,17 @@
 </file>
 
 <file path=customXml/itemProps3.xml><?xml version="1.0" encoding="utf-8"?>
-<ds:datastoreItem xmlns:ds="http://schemas.openxmlformats.org/officeDocument/2006/customXml" ds:itemID="{EEBA3B76-3FFC-4548-9519-2B19BE5B9D9E}">
+<ds:datastoreItem xmlns:ds="http://schemas.openxmlformats.org/officeDocument/2006/customXml" ds:itemID="{31326E29-B62B-4780-9A15-03CA2FAE3FB5}">
   <ds:schemaRefs>
-    <ds:schemaRef ds:uri="http://schemas.microsoft.com/sharepoint/v3/contenttype/forms"/>
+    <ds:schemaRef ds:uri="http://schemas.microsoft.com/office/2006/metadata/properties"/>
+    <ds:schemaRef ds:uri="http://purl.org/dc/elements/1.1/"/>
+    <ds:schemaRef ds:uri="http://purl.org/dc/terms/"/>
+    <ds:schemaRef ds:uri="http://www.w3.org/XML/1998/namespace"/>
+    <ds:schemaRef ds:uri="http://purl.org/dc/dcmitype/"/>
+    <ds:schemaRef ds:uri="http://schemas.openxmlformats.org/package/2006/metadata/core-properties"/>
+    <ds:schemaRef ds:uri="http://schemas.microsoft.com/office/2006/documentManagement/types"/>
+    <ds:schemaRef ds:uri="http://schemas.microsoft.com/office/infopath/2007/PartnerControls"/>
+    <ds:schemaRef ds:uri="e8d75344-758f-4099-8b96-254d9b2933f5"/>
   </ds:schemaRefs>
 </ds:datastoreItem>
 </file>